--- a/2024/NLRN/poster.pptx
+++ b/2024/NLRN/poster.pptx
@@ -126,780 +126,6 @@
 </p:presentation>
 </file>
 
-<file path=ppt/charts/chart1.xml><?xml version="1.0" encoding="utf-8"?>
-<c:chartSpace xmlns:c="http://schemas.openxmlformats.org/drawingml/2006/chart" xmlns:a="http://schemas.openxmlformats.org/drawingml/2006/main" xmlns:r="http://schemas.openxmlformats.org/officeDocument/2006/relationships" xmlns:c16r2="http://schemas.microsoft.com/office/drawing/2015/06/chart">
-  <c:date1904 val="0"/>
-  <c:lang val="en-US"/>
-  <c:roundedCorners val="0"/>
-  <mc:AlternateContent xmlns:mc="http://schemas.openxmlformats.org/markup-compatibility/2006">
-    <mc:Choice xmlns:c14="http://schemas.microsoft.com/office/drawing/2007/8/2/chart" Requires="c14">
-      <c14:style val="102"/>
-    </mc:Choice>
-    <mc:Fallback>
-      <c:style val="2"/>
-    </mc:Fallback>
-  </mc:AlternateContent>
-  <c:chart>
-    <c:title>
-      <c:tx>
-        <c:rich>
-          <a:bodyPr rot="0" spcFirstLastPara="1" vertOverflow="ellipsis" vert="horz" wrap="square" anchor="ctr" anchorCtr="1"/>
-          <a:lstStyle/>
-          <a:p>
-            <a:pPr>
-              <a:defRPr sz="1862" b="0" i="0" u="none" strike="noStrike" kern="1200" spc="0" baseline="0">
-                <a:solidFill>
-                  <a:schemeClr val="tx1">
-                    <a:lumMod val="65000"/>
-                    <a:lumOff val="35000"/>
-                  </a:schemeClr>
-                </a:solidFill>
-                <a:latin typeface="+mn-lt"/>
-                <a:ea typeface="+mn-ea"/>
-                <a:cs typeface="+mn-cs"/>
-              </a:defRPr>
-            </a:pPr>
-            <a:r>
-              <a:rPr lang="nl-NL" b="1" dirty="0" err="1">
-                <a:solidFill>
-                  <a:schemeClr val="tx1"/>
-                </a:solidFill>
-                <a:latin typeface="Open Sans" panose="020B0606030504020204" pitchFamily="34" charset="0"/>
-                <a:ea typeface="Open Sans" panose="020B0606030504020204" pitchFamily="34" charset="0"/>
-                <a:cs typeface="Open Sans" panose="020B0606030504020204" pitchFamily="34" charset="0"/>
-              </a:rPr>
-              <a:t>Title</a:t>
-            </a:r>
-            <a:endParaRPr lang="nl-NL" b="1" dirty="0">
-              <a:solidFill>
-                <a:schemeClr val="tx1"/>
-              </a:solidFill>
-              <a:latin typeface="Open Sans" panose="020B0606030504020204" pitchFamily="34" charset="0"/>
-              <a:ea typeface="Open Sans" panose="020B0606030504020204" pitchFamily="34" charset="0"/>
-              <a:cs typeface="Open Sans" panose="020B0606030504020204" pitchFamily="34" charset="0"/>
-            </a:endParaRPr>
-          </a:p>
-        </c:rich>
-      </c:tx>
-      <c:overlay val="0"/>
-      <c:spPr>
-        <a:noFill/>
-        <a:ln>
-          <a:noFill/>
-        </a:ln>
-        <a:effectLst/>
-      </c:spPr>
-      <c:txPr>
-        <a:bodyPr rot="0" spcFirstLastPara="1" vertOverflow="ellipsis" vert="horz" wrap="square" anchor="ctr" anchorCtr="1"/>
-        <a:lstStyle/>
-        <a:p>
-          <a:pPr>
-            <a:defRPr sz="1862" b="0" i="0" u="none" strike="noStrike" kern="1200" spc="0" baseline="0">
-              <a:solidFill>
-                <a:schemeClr val="tx1">
-                  <a:lumMod val="65000"/>
-                  <a:lumOff val="35000"/>
-                </a:schemeClr>
-              </a:solidFill>
-              <a:latin typeface="+mn-lt"/>
-              <a:ea typeface="+mn-ea"/>
-              <a:cs typeface="+mn-cs"/>
-            </a:defRPr>
-          </a:pPr>
-          <a:endParaRPr lang="nl-NL"/>
-        </a:p>
-      </c:txPr>
-    </c:title>
-    <c:autoTitleDeleted val="0"/>
-    <c:plotArea>
-      <c:layout/>
-      <c:pieChart>
-        <c:varyColors val="1"/>
-        <c:dLbls>
-          <c:showLegendKey val="0"/>
-          <c:showVal val="0"/>
-          <c:showCatName val="0"/>
-          <c:showSerName val="0"/>
-          <c:showPercent val="0"/>
-          <c:showBubbleSize val="0"/>
-          <c:showLeaderLines val="0"/>
-        </c:dLbls>
-        <c:firstSliceAng val="0"/>
-      </c:pieChart>
-      <c:spPr>
-        <a:noFill/>
-        <a:ln>
-          <a:noFill/>
-        </a:ln>
-        <a:effectLst/>
-      </c:spPr>
-    </c:plotArea>
-    <c:legend>
-      <c:legendPos val="tr"/>
-      <c:overlay val="0"/>
-      <c:spPr>
-        <a:noFill/>
-        <a:ln>
-          <a:noFill/>
-        </a:ln>
-        <a:effectLst/>
-      </c:spPr>
-      <c:txPr>
-        <a:bodyPr rot="0" spcFirstLastPara="1" vertOverflow="ellipsis" vert="horz" wrap="square" anchor="ctr" anchorCtr="1"/>
-        <a:lstStyle/>
-        <a:p>
-          <a:pPr>
-            <a:defRPr sz="1197" b="0" i="0" u="none" strike="noStrike" kern="1200" baseline="0">
-              <a:solidFill>
-                <a:schemeClr val="tx1"/>
-              </a:solidFill>
-              <a:latin typeface="Open Sans" panose="020B0606030504020204" pitchFamily="34" charset="0"/>
-              <a:ea typeface="Open Sans" panose="020B0606030504020204" pitchFamily="34" charset="0"/>
-              <a:cs typeface="Open Sans" panose="020B0606030504020204" pitchFamily="34" charset="0"/>
-            </a:defRPr>
-          </a:pPr>
-          <a:endParaRPr lang="nl-NL"/>
-        </a:p>
-      </c:txPr>
-    </c:legend>
-    <c:plotVisOnly val="1"/>
-    <c:dispBlanksAs val="gap"/>
-    <c:extLst>
-      <c:ext xmlns:c16r3="http://schemas.microsoft.com/office/drawing/2017/03/chart" uri="{56B9EC1D-385E-4148-901F-78D8002777C0}">
-        <c16r3:dataDisplayOptions16>
-          <c16r3:dispNaAsBlank val="1"/>
-        </c16r3:dataDisplayOptions16>
-      </c:ext>
-    </c:extLst>
-    <c:showDLblsOverMax val="0"/>
-  </c:chart>
-  <c:spPr>
-    <a:noFill/>
-    <a:ln>
-      <a:noFill/>
-    </a:ln>
-    <a:effectLst/>
-  </c:spPr>
-  <c:txPr>
-    <a:bodyPr/>
-    <a:lstStyle/>
-    <a:p>
-      <a:pPr>
-        <a:defRPr/>
-      </a:pPr>
-      <a:endParaRPr lang="nl-NL"/>
-    </a:p>
-  </c:txPr>
-  <c:externalData r:id="rId3">
-    <c:autoUpdate val="0"/>
-  </c:externalData>
-  <c:userShapes r:id="rId4"/>
-</c:chartSpace>
-</file>
-
-<file path=ppt/charts/colors1.xml><?xml version="1.0" encoding="utf-8"?>
-<cs:colorStyle xmlns:cs="http://schemas.microsoft.com/office/drawing/2012/chartStyle" xmlns:a="http://schemas.openxmlformats.org/drawingml/2006/main" meth="cycle" id="10">
-  <a:schemeClr val="accent1"/>
-  <a:schemeClr val="accent2"/>
-  <a:schemeClr val="accent3"/>
-  <a:schemeClr val="accent4"/>
-  <a:schemeClr val="accent5"/>
-  <a:schemeClr val="accent6"/>
-  <cs:variation/>
-  <cs:variation>
-    <a:lumMod val="60000"/>
-  </cs:variation>
-  <cs:variation>
-    <a:lumMod val="80000"/>
-    <a:lumOff val="20000"/>
-  </cs:variation>
-  <cs:variation>
-    <a:lumMod val="80000"/>
-  </cs:variation>
-  <cs:variation>
-    <a:lumMod val="60000"/>
-    <a:lumOff val="40000"/>
-  </cs:variation>
-  <cs:variation>
-    <a:lumMod val="50000"/>
-  </cs:variation>
-  <cs:variation>
-    <a:lumMod val="70000"/>
-    <a:lumOff val="30000"/>
-  </cs:variation>
-  <cs:variation>
-    <a:lumMod val="70000"/>
-  </cs:variation>
-  <cs:variation>
-    <a:lumMod val="50000"/>
-    <a:lumOff val="50000"/>
-  </cs:variation>
-</cs:colorStyle>
-</file>
-
-<file path=ppt/charts/style1.xml><?xml version="1.0" encoding="utf-8"?>
-<cs:chartStyle xmlns:cs="http://schemas.microsoft.com/office/drawing/2012/chartStyle" xmlns:a="http://schemas.openxmlformats.org/drawingml/2006/main" id="251">
-  <cs:axisTitle>
-    <cs:lnRef idx="0"/>
-    <cs:fillRef idx="0"/>
-    <cs:effectRef idx="0"/>
-    <cs:fontRef idx="minor">
-      <a:schemeClr val="tx1">
-        <a:lumMod val="65000"/>
-        <a:lumOff val="35000"/>
-      </a:schemeClr>
-    </cs:fontRef>
-    <cs:defRPr sz="1330" kern="1200"/>
-  </cs:axisTitle>
-  <cs:categoryAxis>
-    <cs:lnRef idx="0"/>
-    <cs:fillRef idx="0"/>
-    <cs:effectRef idx="0"/>
-    <cs:fontRef idx="minor">
-      <a:schemeClr val="tx1">
-        <a:lumMod val="65000"/>
-        <a:lumOff val="35000"/>
-      </a:schemeClr>
-    </cs:fontRef>
-    <cs:spPr>
-      <a:ln w="9525" cap="flat" cmpd="sng" algn="ctr">
-        <a:solidFill>
-          <a:schemeClr val="tx1">
-            <a:lumMod val="15000"/>
-            <a:lumOff val="85000"/>
-          </a:schemeClr>
-        </a:solidFill>
-        <a:round/>
-      </a:ln>
-    </cs:spPr>
-    <cs:defRPr sz="1197" kern="1200"/>
-  </cs:categoryAxis>
-  <cs:chartArea mods="allowNoFillOverride allowNoLineOverride">
-    <cs:lnRef idx="0"/>
-    <cs:fillRef idx="0"/>
-    <cs:effectRef idx="0"/>
-    <cs:fontRef idx="minor">
-      <a:schemeClr val="tx1"/>
-    </cs:fontRef>
-    <cs:spPr>
-      <a:solidFill>
-        <a:schemeClr val="bg1"/>
-      </a:solidFill>
-      <a:ln w="9525" cap="flat" cmpd="sng" algn="ctr">
-        <a:solidFill>
-          <a:schemeClr val="tx1">
-            <a:lumMod val="15000"/>
-            <a:lumOff val="85000"/>
-          </a:schemeClr>
-        </a:solidFill>
-        <a:round/>
-      </a:ln>
-    </cs:spPr>
-    <cs:defRPr sz="1197" kern="1200"/>
-  </cs:chartArea>
-  <cs:dataLabel>
-    <cs:lnRef idx="0"/>
-    <cs:fillRef idx="0"/>
-    <cs:effectRef idx="0"/>
-    <cs:fontRef idx="minor">
-      <a:schemeClr val="tx1">
-        <a:lumMod val="75000"/>
-        <a:lumOff val="25000"/>
-      </a:schemeClr>
-    </cs:fontRef>
-    <cs:defRPr sz="1197" kern="1200"/>
-  </cs:dataLabel>
-  <cs:dataLabelCallout>
-    <cs:lnRef idx="0"/>
-    <cs:fillRef idx="0"/>
-    <cs:effectRef idx="0"/>
-    <cs:fontRef idx="minor">
-      <a:schemeClr val="dk1">
-        <a:lumMod val="65000"/>
-        <a:lumOff val="35000"/>
-      </a:schemeClr>
-    </cs:fontRef>
-    <cs:spPr>
-      <a:solidFill>
-        <a:schemeClr val="lt1"/>
-      </a:solidFill>
-      <a:ln>
-        <a:solidFill>
-          <a:schemeClr val="dk1">
-            <a:lumMod val="25000"/>
-            <a:lumOff val="75000"/>
-          </a:schemeClr>
-        </a:solidFill>
-      </a:ln>
-    </cs:spPr>
-    <cs:defRPr sz="1197" kern="1200"/>
-    <cs:bodyPr rot="0" spcFirstLastPara="1" vertOverflow="clip" horzOverflow="clip" vert="horz" wrap="square" lIns="36576" tIns="18288" rIns="36576" bIns="18288" anchor="ctr" anchorCtr="1">
-      <a:spAutoFit/>
-    </cs:bodyPr>
-  </cs:dataLabelCallout>
-  <cs:dataPoint>
-    <cs:lnRef idx="0"/>
-    <cs:fillRef idx="1">
-      <cs:styleClr val="auto"/>
-    </cs:fillRef>
-    <cs:effectRef idx="0"/>
-    <cs:fontRef idx="minor">
-      <a:schemeClr val="tx1"/>
-    </cs:fontRef>
-    <cs:spPr>
-      <a:ln w="19050">
-        <a:solidFill>
-          <a:schemeClr val="lt1"/>
-        </a:solidFill>
-      </a:ln>
-    </cs:spPr>
-  </cs:dataPoint>
-  <cs:dataPoint3D>
-    <cs:lnRef idx="0"/>
-    <cs:fillRef idx="1">
-      <cs:styleClr val="auto"/>
-    </cs:fillRef>
-    <cs:effectRef idx="0"/>
-    <cs:fontRef idx="minor">
-      <a:schemeClr val="tx1"/>
-    </cs:fontRef>
-    <cs:spPr>
-      <a:ln w="25400">
-        <a:solidFill>
-          <a:schemeClr val="lt1"/>
-        </a:solidFill>
-      </a:ln>
-    </cs:spPr>
-  </cs:dataPoint3D>
-  <cs:dataPointLine>
-    <cs:lnRef idx="0">
-      <cs:styleClr val="auto"/>
-    </cs:lnRef>
-    <cs:fillRef idx="0"/>
-    <cs:effectRef idx="0"/>
-    <cs:fontRef idx="minor">
-      <a:schemeClr val="tx1"/>
-    </cs:fontRef>
-    <cs:spPr>
-      <a:ln w="28575" cap="rnd">
-        <a:solidFill>
-          <a:schemeClr val="phClr"/>
-        </a:solidFill>
-        <a:round/>
-      </a:ln>
-    </cs:spPr>
-  </cs:dataPointLine>
-  <cs:dataPointMarker>
-    <cs:lnRef idx="0">
-      <cs:styleClr val="auto"/>
-    </cs:lnRef>
-    <cs:fillRef idx="1">
-      <cs:styleClr val="auto"/>
-    </cs:fillRef>
-    <cs:effectRef idx="0"/>
-    <cs:fontRef idx="minor">
-      <a:schemeClr val="tx1"/>
-    </cs:fontRef>
-    <cs:spPr>
-      <a:ln w="9525">
-        <a:solidFill>
-          <a:schemeClr val="phClr"/>
-        </a:solidFill>
-      </a:ln>
-    </cs:spPr>
-  </cs:dataPointMarker>
-  <cs:dataPointMarkerLayout symbol="circle" size="5"/>
-  <cs:dataPointWireframe>
-    <cs:lnRef idx="0">
-      <cs:styleClr val="auto"/>
-    </cs:lnRef>
-    <cs:fillRef idx="0"/>
-    <cs:effectRef idx="0"/>
-    <cs:fontRef idx="minor">
-      <a:schemeClr val="tx1"/>
-    </cs:fontRef>
-    <cs:spPr>
-      <a:ln w="9525" cap="rnd">
-        <a:solidFill>
-          <a:schemeClr val="phClr"/>
-        </a:solidFill>
-        <a:round/>
-      </a:ln>
-    </cs:spPr>
-  </cs:dataPointWireframe>
-  <cs:dataTable>
-    <cs:lnRef idx="0"/>
-    <cs:fillRef idx="0"/>
-    <cs:effectRef idx="0"/>
-    <cs:fontRef idx="minor">
-      <a:schemeClr val="tx1">
-        <a:lumMod val="65000"/>
-        <a:lumOff val="35000"/>
-      </a:schemeClr>
-    </cs:fontRef>
-    <cs:spPr>
-      <a:noFill/>
-      <a:ln w="9525" cap="flat" cmpd="sng" algn="ctr">
-        <a:solidFill>
-          <a:schemeClr val="tx1">
-            <a:lumMod val="15000"/>
-            <a:lumOff val="85000"/>
-          </a:schemeClr>
-        </a:solidFill>
-        <a:round/>
-      </a:ln>
-    </cs:spPr>
-    <cs:defRPr sz="1197" kern="1200"/>
-  </cs:dataTable>
-  <cs:downBar>
-    <cs:lnRef idx="0"/>
-    <cs:fillRef idx="0"/>
-    <cs:effectRef idx="0"/>
-    <cs:fontRef idx="minor">
-      <a:schemeClr val="tx1"/>
-    </cs:fontRef>
-    <cs:spPr>
-      <a:solidFill>
-        <a:schemeClr val="dk1">
-          <a:lumMod val="75000"/>
-          <a:lumOff val="25000"/>
-        </a:schemeClr>
-      </a:solidFill>
-      <a:ln w="9525" cap="flat" cmpd="sng" algn="ctr">
-        <a:solidFill>
-          <a:schemeClr val="tx1">
-            <a:lumMod val="65000"/>
-            <a:lumOff val="35000"/>
-          </a:schemeClr>
-        </a:solidFill>
-        <a:round/>
-      </a:ln>
-    </cs:spPr>
-  </cs:downBar>
-  <cs:dropLine>
-    <cs:lnRef idx="0"/>
-    <cs:fillRef idx="0"/>
-    <cs:effectRef idx="0"/>
-    <cs:fontRef idx="minor">
-      <a:schemeClr val="tx1"/>
-    </cs:fontRef>
-    <cs:spPr>
-      <a:ln w="9525" cap="flat" cmpd="sng" algn="ctr">
-        <a:solidFill>
-          <a:schemeClr val="tx1">
-            <a:lumMod val="35000"/>
-            <a:lumOff val="65000"/>
-          </a:schemeClr>
-        </a:solidFill>
-        <a:round/>
-      </a:ln>
-    </cs:spPr>
-  </cs:dropLine>
-  <cs:errorBar>
-    <cs:lnRef idx="0"/>
-    <cs:fillRef idx="0"/>
-    <cs:effectRef idx="0"/>
-    <cs:fontRef idx="minor">
-      <a:schemeClr val="tx1"/>
-    </cs:fontRef>
-    <cs:spPr>
-      <a:ln w="9525" cap="flat" cmpd="sng" algn="ctr">
-        <a:solidFill>
-          <a:schemeClr val="tx1">
-            <a:lumMod val="65000"/>
-            <a:lumOff val="35000"/>
-          </a:schemeClr>
-        </a:solidFill>
-        <a:round/>
-      </a:ln>
-    </cs:spPr>
-  </cs:errorBar>
-  <cs:floor>
-    <cs:lnRef idx="0"/>
-    <cs:fillRef idx="0"/>
-    <cs:effectRef idx="0"/>
-    <cs:fontRef idx="minor">
-      <a:schemeClr val="tx1"/>
-    </cs:fontRef>
-    <cs:spPr>
-      <a:noFill/>
-      <a:ln>
-        <a:noFill/>
-      </a:ln>
-    </cs:spPr>
-  </cs:floor>
-  <cs:gridlineMajor>
-    <cs:lnRef idx="0"/>
-    <cs:fillRef idx="0"/>
-    <cs:effectRef idx="0"/>
-    <cs:fontRef idx="minor">
-      <a:schemeClr val="tx1"/>
-    </cs:fontRef>
-    <cs:spPr>
-      <a:ln w="9525" cap="flat" cmpd="sng" algn="ctr">
-        <a:solidFill>
-          <a:schemeClr val="tx1">
-            <a:lumMod val="15000"/>
-            <a:lumOff val="85000"/>
-          </a:schemeClr>
-        </a:solidFill>
-        <a:round/>
-      </a:ln>
-    </cs:spPr>
-  </cs:gridlineMajor>
-  <cs:gridlineMinor>
-    <cs:lnRef idx="0"/>
-    <cs:fillRef idx="0"/>
-    <cs:effectRef idx="0"/>
-    <cs:fontRef idx="minor">
-      <a:schemeClr val="tx1"/>
-    </cs:fontRef>
-    <cs:spPr>
-      <a:ln w="9525" cap="flat" cmpd="sng" algn="ctr">
-        <a:solidFill>
-          <a:schemeClr val="tx1">
-            <a:lumMod val="5000"/>
-            <a:lumOff val="95000"/>
-          </a:schemeClr>
-        </a:solidFill>
-        <a:round/>
-      </a:ln>
-    </cs:spPr>
-  </cs:gridlineMinor>
-  <cs:hiLoLine>
-    <cs:lnRef idx="0"/>
-    <cs:fillRef idx="0"/>
-    <cs:effectRef idx="0"/>
-    <cs:fontRef idx="minor">
-      <a:schemeClr val="tx1"/>
-    </cs:fontRef>
-    <cs:spPr>
-      <a:ln w="9525" cap="flat" cmpd="sng" algn="ctr">
-        <a:solidFill>
-          <a:schemeClr val="tx1">
-            <a:lumMod val="50000"/>
-            <a:lumOff val="50000"/>
-          </a:schemeClr>
-        </a:solidFill>
-        <a:round/>
-      </a:ln>
-    </cs:spPr>
-  </cs:hiLoLine>
-  <cs:leaderLine>
-    <cs:lnRef idx="0"/>
-    <cs:fillRef idx="0"/>
-    <cs:effectRef idx="0"/>
-    <cs:fontRef idx="minor">
-      <a:schemeClr val="tx1"/>
-    </cs:fontRef>
-    <cs:spPr>
-      <a:ln w="9525" cap="flat" cmpd="sng" algn="ctr">
-        <a:solidFill>
-          <a:schemeClr val="tx1">
-            <a:lumMod val="35000"/>
-            <a:lumOff val="65000"/>
-          </a:schemeClr>
-        </a:solidFill>
-        <a:round/>
-      </a:ln>
-    </cs:spPr>
-  </cs:leaderLine>
-  <cs:legend>
-    <cs:lnRef idx="0"/>
-    <cs:fillRef idx="0"/>
-    <cs:effectRef idx="0"/>
-    <cs:fontRef idx="minor">
-      <a:schemeClr val="tx1">
-        <a:lumMod val="65000"/>
-        <a:lumOff val="35000"/>
-      </a:schemeClr>
-    </cs:fontRef>
-    <cs:defRPr sz="1197" kern="1200"/>
-  </cs:legend>
-  <cs:plotArea mods="allowNoFillOverride allowNoLineOverride">
-    <cs:lnRef idx="0"/>
-    <cs:fillRef idx="0"/>
-    <cs:effectRef idx="0"/>
-    <cs:fontRef idx="minor">
-      <a:schemeClr val="tx1"/>
-    </cs:fontRef>
-  </cs:plotArea>
-  <cs:plotArea3D mods="allowNoFillOverride allowNoLineOverride">
-    <cs:lnRef idx="0"/>
-    <cs:fillRef idx="0"/>
-    <cs:effectRef idx="0"/>
-    <cs:fontRef idx="minor">
-      <a:schemeClr val="tx1"/>
-    </cs:fontRef>
-  </cs:plotArea3D>
-  <cs:seriesAxis>
-    <cs:lnRef idx="0"/>
-    <cs:fillRef idx="0"/>
-    <cs:effectRef idx="0"/>
-    <cs:fontRef idx="minor">
-      <a:schemeClr val="tx1">
-        <a:lumMod val="65000"/>
-        <a:lumOff val="35000"/>
-      </a:schemeClr>
-    </cs:fontRef>
-    <cs:defRPr sz="1197" kern="1200"/>
-  </cs:seriesAxis>
-  <cs:seriesLine>
-    <cs:lnRef idx="0"/>
-    <cs:fillRef idx="0"/>
-    <cs:effectRef idx="0"/>
-    <cs:fontRef idx="minor">
-      <a:schemeClr val="tx1"/>
-    </cs:fontRef>
-    <cs:spPr>
-      <a:ln w="9525" cap="flat" cmpd="sng" algn="ctr">
-        <a:solidFill>
-          <a:schemeClr val="tx1">
-            <a:lumMod val="35000"/>
-            <a:lumOff val="65000"/>
-          </a:schemeClr>
-        </a:solidFill>
-        <a:round/>
-      </a:ln>
-    </cs:spPr>
-  </cs:seriesLine>
-  <cs:title>
-    <cs:lnRef idx="0"/>
-    <cs:fillRef idx="0"/>
-    <cs:effectRef idx="0"/>
-    <cs:fontRef idx="minor">
-      <a:schemeClr val="tx1">
-        <a:lumMod val="65000"/>
-        <a:lumOff val="35000"/>
-      </a:schemeClr>
-    </cs:fontRef>
-    <cs:defRPr sz="1862" b="0" kern="1200" spc="0" baseline="0"/>
-  </cs:title>
-  <cs:trendline>
-    <cs:lnRef idx="0">
-      <cs:styleClr val="auto"/>
-    </cs:lnRef>
-    <cs:fillRef idx="0"/>
-    <cs:effectRef idx="0"/>
-    <cs:fontRef idx="minor">
-      <a:schemeClr val="tx1"/>
-    </cs:fontRef>
-    <cs:spPr>
-      <a:ln w="19050" cap="rnd">
-        <a:solidFill>
-          <a:schemeClr val="phClr"/>
-        </a:solidFill>
-        <a:prstDash val="sysDot"/>
-      </a:ln>
-    </cs:spPr>
-  </cs:trendline>
-  <cs:trendlineLabel>
-    <cs:lnRef idx="0"/>
-    <cs:fillRef idx="0"/>
-    <cs:effectRef idx="0"/>
-    <cs:fontRef idx="minor">
-      <a:schemeClr val="tx1">
-        <a:lumMod val="65000"/>
-        <a:lumOff val="35000"/>
-      </a:schemeClr>
-    </cs:fontRef>
-    <cs:defRPr sz="1197" kern="1200"/>
-  </cs:trendlineLabel>
-  <cs:upBar>
-    <cs:lnRef idx="0"/>
-    <cs:fillRef idx="0"/>
-    <cs:effectRef idx="0"/>
-    <cs:fontRef idx="minor">
-      <a:schemeClr val="tx1"/>
-    </cs:fontRef>
-    <cs:spPr>
-      <a:solidFill>
-        <a:schemeClr val="lt1"/>
-      </a:solidFill>
-      <a:ln w="9525" cap="flat" cmpd="sng" algn="ctr">
-        <a:solidFill>
-          <a:schemeClr val="tx1">
-            <a:lumMod val="65000"/>
-            <a:lumOff val="35000"/>
-          </a:schemeClr>
-        </a:solidFill>
-        <a:round/>
-      </a:ln>
-    </cs:spPr>
-  </cs:upBar>
-  <cs:valueAxis>
-    <cs:lnRef idx="0"/>
-    <cs:fillRef idx="0"/>
-    <cs:effectRef idx="0"/>
-    <cs:fontRef idx="minor">
-      <a:schemeClr val="tx1">
-        <a:lumMod val="65000"/>
-        <a:lumOff val="35000"/>
-      </a:schemeClr>
-    </cs:fontRef>
-    <cs:defRPr sz="1197" kern="1200"/>
-  </cs:valueAxis>
-  <cs:wall>
-    <cs:lnRef idx="0"/>
-    <cs:fillRef idx="0"/>
-    <cs:effectRef idx="0"/>
-    <cs:fontRef idx="minor">
-      <a:schemeClr val="tx1"/>
-    </cs:fontRef>
-    <cs:spPr>
-      <a:noFill/>
-      <a:ln>
-        <a:noFill/>
-      </a:ln>
-    </cs:spPr>
-  </cs:wall>
-</cs:chartStyle>
-</file>
-
-<file path=ppt/drawings/drawing1.xml><?xml version="1.0" encoding="utf-8"?>
-<c:userShapes xmlns:c="http://schemas.openxmlformats.org/drawingml/2006/chart">
-  <cdr:relSizeAnchor xmlns:cdr="http://schemas.openxmlformats.org/drawingml/2006/chartDrawing">
-    <cdr:from>
-      <cdr:x>0.21773</cdr:x>
-      <cdr:y>0.45297</cdr:y>
-    </cdr:from>
-    <cdr:to>
-      <cdr:x>0.5337</cdr:x>
-      <cdr:y>1</cdr:y>
-    </cdr:to>
-    <cdr:pic>
-      <cdr:nvPicPr>
-        <cdr:cNvPr id="2" name="chart">
-          <a:extLst xmlns:a="http://schemas.openxmlformats.org/drawingml/2006/main">
-            <a:ext uri="{FF2B5EF4-FFF2-40B4-BE49-F238E27FC236}">
-              <a16:creationId xmlns:a16="http://schemas.microsoft.com/office/drawing/2014/main" id="{E6069EA4-674B-5822-CE91-2B3E471F1BA9}"/>
-            </a:ext>
-          </a:extLst>
-        </cdr:cNvPr>
-        <cdr:cNvPicPr>
-          <a:picLocks xmlns:a="http://schemas.openxmlformats.org/drawingml/2006/main" noChangeAspect="1"/>
-        </cdr:cNvPicPr>
-      </cdr:nvPicPr>
-      <cdr:blipFill>
-        <a:blip xmlns:a="http://schemas.openxmlformats.org/drawingml/2006/main" xmlns:r="http://schemas.openxmlformats.org/officeDocument/2006/relationships" r:embed="rId1"/>
-        <a:stretch xmlns:a="http://schemas.openxmlformats.org/drawingml/2006/main">
-          <a:fillRect/>
-        </a:stretch>
-      </cdr:blipFill>
-      <cdr:spPr>
-        <a:xfrm xmlns:a="http://schemas.openxmlformats.org/drawingml/2006/main">
-          <a:off x="1446086" y="2005690"/>
-          <a:ext cx="2098615" cy="2422152"/>
-        </a:xfrm>
-        <a:prstGeom xmlns:a="http://schemas.openxmlformats.org/drawingml/2006/main" prst="rect">
-          <a:avLst/>
-        </a:prstGeom>
-      </cdr:spPr>
-    </cdr:pic>
-  </cdr:relSizeAnchor>
-</c:userShapes>
-</file>
-
 <file path=ppt/notesMasters/notesMaster1.xml><?xml version="1.0" encoding="utf-8"?>
 <p:notesMaster xmlns:a="http://schemas.openxmlformats.org/drawingml/2006/main" xmlns:r="http://schemas.openxmlformats.org/officeDocument/2006/relationships" xmlns:p="http://schemas.openxmlformats.org/presentationml/2006/main">
   <p:cSld>
@@ -982,7 +208,7 @@
           <a:p>
             <a:fld id="{ADC829B4-9606-2A42-8BE7-C95716C4B49D}" type="datetimeFigureOut">
               <a:rPr lang="nl-NL" smtClean="0"/>
-              <a:t>3-12-2024</a:t>
+              <a:t>5-12-2024</a:t>
             </a:fld>
             <a:endParaRPr lang="nl-NL"/>
           </a:p>
@@ -1388,7 +614,7 @@
           <a:p>
             <a:fld id="{C28BEF97-4A46-C940-8C59-2C42CB4C4E51}" type="datetimeFigureOut">
               <a:rPr lang="nl-NL" smtClean="0"/>
-              <a:t>3-12-2024</a:t>
+              <a:t>5-12-2024</a:t>
             </a:fld>
             <a:endParaRPr lang="nl-NL"/>
           </a:p>
@@ -1886,8 +1112,8 @@
         </p:nvSpPr>
         <p:spPr>
           <a:xfrm>
-            <a:off x="7924502" y="0"/>
-            <a:ext cx="7804686" cy="3083187"/>
+            <a:off x="22256864" y="-44424"/>
+            <a:ext cx="10692168" cy="3083187"/>
           </a:xfrm>
           <a:prstGeom prst="rect">
             <a:avLst/>
@@ -1937,8 +1163,8 @@
         </p:nvSpPr>
         <p:spPr>
           <a:xfrm>
-            <a:off x="1659353" y="13965776"/>
-            <a:ext cx="19375781" cy="5399219"/>
+            <a:off x="1659353" y="12005236"/>
+            <a:ext cx="19375781" cy="7359760"/>
           </a:xfrm>
           <a:prstGeom prst="rect">
             <a:avLst/>
@@ -2115,7 +1341,7 @@
                 <a:latin typeface="Merriweather" pitchFamily="2" charset="77"/>
                 <a:cs typeface="Verdana"/>
               </a:rPr>
-              <a:t>What resources to use? And which course elements are domain agnostic?</a:t>
+              <a:t>What resources to use? And which tools/elements are domain agnostic?</a:t>
             </a:r>
           </a:p>
         </p:txBody>
@@ -2182,8 +1408,8 @@
         </p:nvSpPr>
         <p:spPr>
           <a:xfrm>
-            <a:off x="1583213" y="19984118"/>
-            <a:ext cx="9443388" cy="998772"/>
+            <a:off x="1583212" y="19984118"/>
+            <a:ext cx="14875987" cy="998772"/>
           </a:xfrm>
           <a:prstGeom prst="rect">
             <a:avLst/>
@@ -2369,10 +1595,11 @@
           </a:p>
           <a:p>
             <a:pPr marL="372835" indent="-372835" algn="l">
+              <a:buFont typeface="Arial"/>
               <a:buAutoNum type="arabicPeriod"/>
             </a:pPr>
             <a:r>
-              <a:rPr lang="en-GB" sz="1400" b="1" dirty="0">
+              <a:rPr lang="en-US" sz="1400" b="1" dirty="0">
                 <a:solidFill>
                   <a:srgbClr val="0F1012"/>
                 </a:solidFill>
@@ -2380,7 +1607,18 @@
                 <a:ea typeface="Open Sans SemiBold" panose="020B0606030504020204" pitchFamily="34" charset="0"/>
                 <a:cs typeface="Open Sans SemiBold" panose="020B0606030504020204" pitchFamily="34" charset="0"/>
               </a:rPr>
-              <a:t>Name author</a:t>
+              <a:t>Markup Languages and Reproducible Programming in Statistics</a:t>
+            </a:r>
+            <a:r>
+              <a:rPr lang="en-GB" sz="1400" b="1" dirty="0">
+                <a:solidFill>
+                  <a:srgbClr val="0F1012"/>
+                </a:solidFill>
+                <a:latin typeface="Open Sans SemiBold" panose="020B0606030504020204" pitchFamily="34" charset="0"/>
+                <a:ea typeface="Open Sans SemiBold" panose="020B0606030504020204" pitchFamily="34" charset="0"/>
+                <a:cs typeface="Open Sans SemiBold" panose="020B0606030504020204" pitchFamily="34" charset="0"/>
+              </a:rPr>
+              <a:t> team (2024). Course materials. URL: www.gerkovink.com/markup</a:t>
             </a:r>
           </a:p>
           <a:p>
@@ -2396,8 +1634,32 @@
                 <a:ea typeface="Open Sans SemiBold" panose="020B0606030504020204" pitchFamily="34" charset="0"/>
                 <a:cs typeface="Open Sans SemiBold" panose="020B0606030504020204" pitchFamily="34" charset="0"/>
               </a:rPr>
-              <a:t>Name author</a:t>
-            </a:r>
+              <a:t>Utrecht University (2024). Course description. URL: https://osiris-student.uu.nl/#/onderwijscatalogus/extern/cursus?cursuscode=202000010&amp;taal=en&amp;collegejaar=huidig</a:t>
+            </a:r>
+          </a:p>
+          <a:p>
+            <a:pPr marL="372835" indent="-372835" algn="l">
+              <a:buAutoNum type="arabicPeriod"/>
+            </a:pPr>
+            <a:r>
+              <a:rPr lang="en-US" sz="1400" b="1" dirty="0">
+                <a:solidFill>
+                  <a:srgbClr val="0F1012"/>
+                </a:solidFill>
+                <a:latin typeface="Open Sans SemiBold" panose="020B0606030504020204" pitchFamily="34" charset="0"/>
+                <a:ea typeface="Open Sans SemiBold" panose="020B0606030504020204" pitchFamily="34" charset="0"/>
+                <a:cs typeface="Open Sans SemiBold" panose="020B0606030504020204" pitchFamily="34" charset="0"/>
+              </a:rPr>
+              <a:t>The Turing Way Community (2022). The Turing Way: A handbook for reproducible, ethical and collaborative research (1.0.2). DOI: 10.5281/ZENODO.3233853</a:t>
+            </a:r>
+            <a:endParaRPr lang="en-GB" sz="1400" b="1" dirty="0">
+              <a:solidFill>
+                <a:srgbClr val="0F1012"/>
+              </a:solidFill>
+              <a:latin typeface="Open Sans SemiBold" panose="020B0606030504020204" pitchFamily="34" charset="0"/>
+              <a:ea typeface="Open Sans SemiBold" panose="020B0606030504020204" pitchFamily="34" charset="0"/>
+              <a:cs typeface="Open Sans SemiBold" panose="020B0606030504020204" pitchFamily="34" charset="0"/>
+            </a:endParaRPr>
           </a:p>
         </p:txBody>
       </p:sp>
@@ -2463,8 +1725,8 @@
         </p:nvSpPr>
         <p:spPr>
           <a:xfrm>
-            <a:off x="14144528" y="14510725"/>
-            <a:ext cx="6107659" cy="1969193"/>
+            <a:off x="2335288" y="12497151"/>
+            <a:ext cx="18196896" cy="815031"/>
           </a:xfrm>
           <a:prstGeom prst="rect">
             <a:avLst/>
@@ -2669,7 +1931,7 @@
                 <a:ea typeface="Open Sans SemiBold" panose="020B0606030504020204" pitchFamily="34" charset="0"/>
                 <a:cs typeface="Open Sans SemiBold" panose="020B0606030504020204" pitchFamily="34" charset="0"/>
               </a:rPr>
-              <a:t>Elements in the course ‘</a:t>
+              <a:t>Elements in the UU course ‘</a:t>
             </a:r>
             <a:r>
               <a:rPr lang="en-US" sz="1957" b="1" dirty="0">
@@ -2691,29 +1953,7 @@
                 <a:ea typeface="Open Sans SemiBold" panose="020B0606030504020204" pitchFamily="34" charset="0"/>
                 <a:cs typeface="Open Sans SemiBold" panose="020B0606030504020204" pitchFamily="34" charset="0"/>
               </a:rPr>
-              <a:t> What do you think: Do the elements in the course match or clash with the principles of a </a:t>
-            </a:r>
-            <a:r>
-              <a:rPr lang="en-GB" sz="1957" b="1" i="1" dirty="0">
-                <a:solidFill>
-                  <a:srgbClr val="0F1012"/>
-                </a:solidFill>
-                <a:latin typeface="Open Sans SemiBold" panose="020B0606030504020204" pitchFamily="34" charset="0"/>
-                <a:ea typeface="Open Sans SemiBold" panose="020B0606030504020204" pitchFamily="34" charset="0"/>
-                <a:cs typeface="Open Sans SemiBold" panose="020B0606030504020204" pitchFamily="34" charset="0"/>
-              </a:rPr>
-              <a:t>CODECHECK</a:t>
-            </a:r>
-            <a:r>
-              <a:rPr lang="en-GB" sz="1957" b="1" dirty="0">
-                <a:solidFill>
-                  <a:srgbClr val="0F1012"/>
-                </a:solidFill>
-                <a:latin typeface="Open Sans SemiBold" panose="020B0606030504020204" pitchFamily="34" charset="0"/>
-                <a:ea typeface="Open Sans SemiBold" panose="020B0606030504020204" pitchFamily="34" charset="0"/>
-                <a:cs typeface="Open Sans SemiBold" panose="020B0606030504020204" pitchFamily="34" charset="0"/>
-              </a:rPr>
-              <a:t>?</a:t>
+              <a:t> What do you think is missing? What could you reuse?</a:t>
             </a:r>
           </a:p>
         </p:txBody>
@@ -2732,8 +1972,8 @@
         </p:nvSpPr>
         <p:spPr>
           <a:xfrm>
-            <a:off x="22256864" y="13965776"/>
-            <a:ext cx="9140846" cy="5390240"/>
+            <a:off x="22256864" y="11996256"/>
+            <a:ext cx="9140846" cy="7359760"/>
           </a:xfrm>
           <a:prstGeom prst="rect">
             <a:avLst/>
@@ -2786,7 +2026,7 @@
         <p:spPr>
           <a:xfrm>
             <a:off x="1508774" y="6868344"/>
-            <a:ext cx="9313209" cy="3170099"/>
+            <a:ext cx="9313209" cy="4708981"/>
           </a:xfrm>
           <a:prstGeom prst="rect">
             <a:avLst/>
@@ -2868,6 +2108,17 @@
               </a:rPr>
               <a:t>, Biomedical and Social Sciences’ at Utrecht University (UU).</a:t>
             </a:r>
+            <a:r>
+              <a:rPr lang="en-US" sz="2000" baseline="30000" dirty="0">
+                <a:solidFill>
+                  <a:srgbClr val="0F1012"/>
+                </a:solidFill>
+                <a:latin typeface="Open Sans" panose="020B0606030504020204" pitchFamily="34" charset="0"/>
+                <a:ea typeface="Open Sans" panose="020B0606030504020204" pitchFamily="34" charset="0"/>
+                <a:cs typeface="Open Sans" panose="020B0606030504020204" pitchFamily="34" charset="0"/>
+              </a:rPr>
+              <a:t>1, 2</a:t>
+            </a:r>
           </a:p>
           <a:p>
             <a:endParaRPr lang="en-US" sz="2000" dirty="0">
@@ -2889,7 +2140,7 @@
                 <a:ea typeface="Open Sans" panose="020B0606030504020204" pitchFamily="34" charset="0"/>
                 <a:cs typeface="Open Sans" panose="020B0606030504020204" pitchFamily="34" charset="0"/>
               </a:rPr>
-              <a:t>Course aims include the development and publishing of a </a:t>
+              <a:t>Course aims include the development of a publication-ready </a:t>
             </a:r>
             <a:r>
               <a:rPr lang="en-US" sz="2000" b="1" dirty="0">
@@ -2928,7 +2179,7 @@
                 <a:ea typeface="Open Sans" panose="020B0606030504020204" pitchFamily="34" charset="0"/>
                 <a:cs typeface="Open Sans" panose="020B0606030504020204" pitchFamily="34" charset="0"/>
               </a:rPr>
-              <a:t>reproducible code, </a:t>
+              <a:t>a typeset manuscript following a markup language,</a:t>
             </a:r>
           </a:p>
           <a:p>
@@ -2945,7 +2196,7 @@
                 <a:ea typeface="Open Sans" panose="020B0606030504020204" pitchFamily="34" charset="0"/>
                 <a:cs typeface="Open Sans" panose="020B0606030504020204" pitchFamily="34" charset="0"/>
               </a:rPr>
-              <a:t>data, </a:t>
+              <a:t>data and code, </a:t>
             </a:r>
           </a:p>
           <a:p>
@@ -2962,9 +2213,11 @@
                 <a:ea typeface="Open Sans" panose="020B0606030504020204" pitchFamily="34" charset="0"/>
                 <a:cs typeface="Open Sans" panose="020B0606030504020204" pitchFamily="34" charset="0"/>
               </a:rPr>
-              <a:t>a typeset manuscript following a markup language.</a:t>
-            </a:r>
-            <a:endParaRPr lang="en-GB" sz="2000" dirty="0">
+              <a:t>everything that allows for successful reproduction and reuse of the materials (e.g. a license).</a:t>
+            </a:r>
+          </a:p>
+          <a:p>
+            <a:endParaRPr lang="en-US" sz="2000" dirty="0">
               <a:solidFill>
                 <a:srgbClr val="0F1012"/>
               </a:solidFill>
@@ -2973,36 +2226,87 @@
               <a:cs typeface="Open Sans" panose="020B0606030504020204" pitchFamily="34" charset="0"/>
             </a:endParaRPr>
           </a:p>
+          <a:p>
+            <a:r>
+              <a:rPr lang="en-US" sz="2000" dirty="0">
+                <a:solidFill>
+                  <a:srgbClr val="0F1012"/>
+                </a:solidFill>
+                <a:latin typeface="Open Sans" panose="020B0606030504020204" pitchFamily="34" charset="0"/>
+                <a:ea typeface="Open Sans" panose="020B0606030504020204" pitchFamily="34" charset="0"/>
+                <a:cs typeface="Open Sans" panose="020B0606030504020204" pitchFamily="34" charset="0"/>
+              </a:rPr>
+              <a:t>In our course, students are taught various tools and languages, such as </a:t>
+            </a:r>
+            <a:r>
+              <a:rPr lang="en-US" sz="2000" i="1" dirty="0">
+                <a:solidFill>
+                  <a:srgbClr val="0F1012"/>
+                </a:solidFill>
+                <a:latin typeface="Open Sans" panose="020B0606030504020204" pitchFamily="34" charset="0"/>
+                <a:ea typeface="Open Sans" panose="020B0606030504020204" pitchFamily="34" charset="0"/>
+                <a:cs typeface="Open Sans" panose="020B0606030504020204" pitchFamily="34" charset="0"/>
+              </a:rPr>
+              <a:t>Quarto</a:t>
+            </a:r>
+            <a:r>
+              <a:rPr lang="en-US" sz="2000" dirty="0">
+                <a:solidFill>
+                  <a:srgbClr val="0F1012"/>
+                </a:solidFill>
+                <a:latin typeface="Open Sans" panose="020B0606030504020204" pitchFamily="34" charset="0"/>
+                <a:ea typeface="Open Sans" panose="020B0606030504020204" pitchFamily="34" charset="0"/>
+                <a:cs typeface="Open Sans" panose="020B0606030504020204" pitchFamily="34" charset="0"/>
+              </a:rPr>
+              <a:t> markdown, version control with </a:t>
+            </a:r>
+            <a:r>
+              <a:rPr lang="en-US" sz="2000" i="1" dirty="0">
+                <a:solidFill>
+                  <a:srgbClr val="0F1012"/>
+                </a:solidFill>
+                <a:latin typeface="Open Sans" panose="020B0606030504020204" pitchFamily="34" charset="0"/>
+                <a:ea typeface="Open Sans" panose="020B0606030504020204" pitchFamily="34" charset="0"/>
+                <a:cs typeface="Open Sans" panose="020B0606030504020204" pitchFamily="34" charset="0"/>
+              </a:rPr>
+              <a:t>git</a:t>
+            </a:r>
+            <a:r>
+              <a:rPr lang="en-US" sz="2000" dirty="0">
+                <a:solidFill>
+                  <a:srgbClr val="0F1012"/>
+                </a:solidFill>
+                <a:latin typeface="Open Sans" panose="020B0606030504020204" pitchFamily="34" charset="0"/>
+                <a:ea typeface="Open Sans" panose="020B0606030504020204" pitchFamily="34" charset="0"/>
+                <a:cs typeface="Open Sans" panose="020B0606030504020204" pitchFamily="34" charset="0"/>
+              </a:rPr>
+              <a:t>, and reproducible environments for R with </a:t>
+            </a:r>
+            <a:r>
+              <a:rPr lang="en-US" sz="2000" i="1" dirty="0" err="1">
+                <a:solidFill>
+                  <a:srgbClr val="0F1012"/>
+                </a:solidFill>
+                <a:latin typeface="Open Sans" panose="020B0606030504020204" pitchFamily="34" charset="0"/>
+                <a:ea typeface="Open Sans" panose="020B0606030504020204" pitchFamily="34" charset="0"/>
+                <a:cs typeface="Open Sans" panose="020B0606030504020204" pitchFamily="34" charset="0"/>
+              </a:rPr>
+              <a:t>renv</a:t>
+            </a:r>
+            <a:r>
+              <a:rPr lang="en-US" sz="2000" dirty="0">
+                <a:solidFill>
+                  <a:srgbClr val="0F1012"/>
+                </a:solidFill>
+                <a:latin typeface="Open Sans" panose="020B0606030504020204" pitchFamily="34" charset="0"/>
+                <a:ea typeface="Open Sans" panose="020B0606030504020204" pitchFamily="34" charset="0"/>
+                <a:cs typeface="Open Sans" panose="020B0606030504020204" pitchFamily="34" charset="0"/>
+              </a:rPr>
+              <a:t>.</a:t>
+            </a:r>
+          </a:p>
         </p:txBody>
       </p:sp>
-      <p:graphicFrame>
-        <p:nvGraphicFramePr>
-          <p:cNvPr id="52" name="Grafiek 51">
-            <a:extLst>
-              <a:ext uri="{FF2B5EF4-FFF2-40B4-BE49-F238E27FC236}">
-                <a16:creationId xmlns:a16="http://schemas.microsoft.com/office/drawing/2014/main" id="{DD14696C-49B8-D641-AA1B-D52D4813834D}"/>
-              </a:ext>
-            </a:extLst>
-          </p:cNvPr>
-          <p:cNvGraphicFramePr/>
-          <p:nvPr>
-            <p:extLst>
-              <p:ext uri="{D42A27DB-BD31-4B8C-83A1-F6EECF244321}">
-                <p14:modId xmlns:p14="http://schemas.microsoft.com/office/powerpoint/2010/main" val="1628562526"/>
-              </p:ext>
-            </p:extLst>
-          </p:nvPr>
-        </p:nvGraphicFramePr>
-        <p:xfrm>
-          <a:off x="1077449" y="14474228"/>
-          <a:ext cx="6641763" cy="4427842"/>
-        </p:xfrm>
-        <a:graphic>
-          <a:graphicData uri="http://schemas.openxmlformats.org/drawingml/2006/chart">
-            <c:chart xmlns:c="http://schemas.openxmlformats.org/drawingml/2006/chart" xmlns:r="http://schemas.openxmlformats.org/officeDocument/2006/relationships" r:id="rId3"/>
-          </a:graphicData>
-        </a:graphic>
-      </p:graphicFrame>
       <p:sp>
         <p:nvSpPr>
           <p:cNvPr id="54" name="Tekstvak 53">
@@ -3017,8 +2321,8 @@
         </p:nvSpPr>
         <p:spPr>
           <a:xfrm>
-            <a:off x="7876933" y="1258825"/>
-            <a:ext cx="7862188" cy="553998"/>
+            <a:off x="22256864" y="1118523"/>
+            <a:ext cx="10661536" cy="553998"/>
           </a:xfrm>
           <a:prstGeom prst="rect">
             <a:avLst/>
@@ -3108,8 +2412,8 @@
         </p:nvSpPr>
         <p:spPr>
           <a:xfrm>
-            <a:off x="16630889" y="19984117"/>
-            <a:ext cx="9443388" cy="998772"/>
+            <a:off x="16630888" y="19984117"/>
+            <a:ext cx="14782599" cy="998772"/>
           </a:xfrm>
           <a:prstGeom prst="rect">
             <a:avLst/>
@@ -3295,10 +2599,11 @@
           </a:p>
           <a:p>
             <a:pPr marL="372835" indent="-372835" algn="l">
-              <a:buAutoNum type="arabicPeriod"/>
+              <a:buFont typeface="+mj-lt"/>
+              <a:buAutoNum type="arabicPeriod" startAt="4"/>
             </a:pPr>
             <a:r>
-              <a:rPr lang="en-GB" sz="1400" b="1" dirty="0">
+              <a:rPr lang="en-US" sz="1400" b="1" dirty="0">
                 <a:solidFill>
                   <a:srgbClr val="0F1012"/>
                 </a:solidFill>
@@ -3306,15 +2611,15 @@
                 <a:ea typeface="Open Sans SemiBold" panose="020B0606030504020204" pitchFamily="34" charset="0"/>
                 <a:cs typeface="Open Sans SemiBold" panose="020B0606030504020204" pitchFamily="34" charset="0"/>
               </a:rPr>
-              <a:t>Name author</a:t>
+              <a:t>Utrecht University (2023). Best Practices for Writing Reproducible Code. URL: utrechtuniversity.github.io/workshop-computational-reproducibility</a:t>
             </a:r>
           </a:p>
           <a:p>
             <a:pPr marL="372835" indent="-372835" algn="l">
-              <a:buAutoNum type="arabicPeriod"/>
+              <a:buAutoNum type="arabicPeriod" startAt="4"/>
             </a:pPr>
             <a:r>
-              <a:rPr lang="en-GB" sz="1400" b="1" dirty="0">
+              <a:rPr lang="en-US" sz="1400" b="1" dirty="0">
                 <a:solidFill>
                   <a:srgbClr val="0F1012"/>
                 </a:solidFill>
@@ -3322,8 +2627,70 @@
                 <a:ea typeface="Open Sans SemiBold" panose="020B0606030504020204" pitchFamily="34" charset="0"/>
                 <a:cs typeface="Open Sans SemiBold" panose="020B0606030504020204" pitchFamily="34" charset="0"/>
               </a:rPr>
-              <a:t>Name author</a:t>
-            </a:r>
+              <a:t>Utrecht University (2023). Writing Reproducible Manuscripts in R &amp; Python. URL: utrechtuniversity.github.io/workshop-reproducible-manuscripts</a:t>
+            </a:r>
+          </a:p>
+          <a:p>
+            <a:pPr marL="372835" indent="-372835" algn="l">
+              <a:buAutoNum type="arabicPeriod" startAt="4"/>
+            </a:pPr>
+            <a:r>
+              <a:rPr lang="en-US" sz="1400" b="1" dirty="0" err="1">
+                <a:solidFill>
+                  <a:srgbClr val="0F1012"/>
+                </a:solidFill>
+                <a:latin typeface="Open Sans SemiBold" panose="020B0606030504020204" pitchFamily="34" charset="0"/>
+                <a:ea typeface="Open Sans SemiBold" panose="020B0606030504020204" pitchFamily="34" charset="0"/>
+                <a:cs typeface="Open Sans SemiBold" panose="020B0606030504020204" pitchFamily="34" charset="0"/>
+              </a:rPr>
+              <a:t>Eglen</a:t>
+            </a:r>
+            <a:r>
+              <a:rPr lang="en-US" sz="1400" b="1" dirty="0">
+                <a:solidFill>
+                  <a:srgbClr val="0F1012"/>
+                </a:solidFill>
+                <a:latin typeface="Open Sans SemiBold" panose="020B0606030504020204" pitchFamily="34" charset="0"/>
+                <a:ea typeface="Open Sans SemiBold" panose="020B0606030504020204" pitchFamily="34" charset="0"/>
+                <a:cs typeface="Open Sans SemiBold" panose="020B0606030504020204" pitchFamily="34" charset="0"/>
+              </a:rPr>
+              <a:t>, S., &amp; </a:t>
+            </a:r>
+            <a:r>
+              <a:rPr lang="en-US" sz="1400" b="1" dirty="0" err="1">
+                <a:solidFill>
+                  <a:srgbClr val="0F1012"/>
+                </a:solidFill>
+                <a:latin typeface="Open Sans SemiBold" panose="020B0606030504020204" pitchFamily="34" charset="0"/>
+                <a:ea typeface="Open Sans SemiBold" panose="020B0606030504020204" pitchFamily="34" charset="0"/>
+                <a:cs typeface="Open Sans SemiBold" panose="020B0606030504020204" pitchFamily="34" charset="0"/>
+              </a:rPr>
+              <a:t>Nüst</a:t>
+            </a:r>
+            <a:r>
+              <a:rPr lang="en-US" sz="1400" b="1" dirty="0">
+                <a:solidFill>
+                  <a:srgbClr val="0F1012"/>
+                </a:solidFill>
+                <a:latin typeface="Open Sans SemiBold" panose="020B0606030504020204" pitchFamily="34" charset="0"/>
+                <a:ea typeface="Open Sans SemiBold" panose="020B0606030504020204" pitchFamily="34" charset="0"/>
+                <a:cs typeface="Open Sans SemiBold" panose="020B0606030504020204" pitchFamily="34" charset="0"/>
+              </a:rPr>
+              <a:t>, D., (2024). CODECHECK. URL: codecheck.org.uk</a:t>
+            </a:r>
+          </a:p>
+          <a:p>
+            <a:pPr marL="372835" indent="-372835" algn="l">
+              <a:buAutoNum type="arabicPeriod" startAt="4"/>
+            </a:pPr>
+            <a:endParaRPr lang="en-GB" sz="1400" b="1" dirty="0">
+              <a:solidFill>
+                <a:srgbClr val="0F1012"/>
+              </a:solidFill>
+              <a:latin typeface="Open Sans SemiBold" panose="020B0606030504020204" pitchFamily="34" charset="0"/>
+              <a:ea typeface="Open Sans SemiBold" panose="020B0606030504020204" pitchFamily="34" charset="0"/>
+              <a:cs typeface="Open Sans SemiBold" panose="020B0606030504020204" pitchFamily="34" charset="0"/>
+            </a:endParaRPr>
           </a:p>
         </p:txBody>
       </p:sp>
@@ -3342,7 +2709,7 @@
         <p:spPr>
           <a:xfrm>
             <a:off x="11882819" y="6868344"/>
-            <a:ext cx="9313209" cy="1938992"/>
+            <a:ext cx="9313209" cy="4401205"/>
           </a:xfrm>
           <a:prstGeom prst="rect">
             <a:avLst/>
@@ -3359,7 +2726,7 @@
               <a:rPr lang="en-GB" sz="2000" b="1" dirty="0">
                 <a:latin typeface="Merriweather" pitchFamily="2" charset="77"/>
               </a:rPr>
-              <a:t>Reusable resources</a:t>
+              <a:t>Reusable course elements</a:t>
             </a:r>
             <a:endParaRPr lang="en-GB" sz="2000" b="1" dirty="0">
               <a:solidFill>
@@ -3378,10 +2745,22 @@
                 <a:ea typeface="Open Sans" panose="020B0606030504020204" pitchFamily="34" charset="0"/>
                 <a:cs typeface="Open Sans" panose="020B0606030504020204" pitchFamily="34" charset="0"/>
               </a:rPr>
-              <a:t>Our teaching materials draw from resources such as </a:t>
-            </a:r>
-            <a:r>
-              <a:rPr lang="en-GB" sz="2000" b="1" i="1" dirty="0">
+              <a:t>Our course materials draw from resources about the tools and languages that we teach, e.g. software manuals. In principle, these materials are reusable by others who teach reproducibility. But, of course, this is heavily reliant on the specific software framework: in our case, the statistical programming language R.</a:t>
+            </a:r>
+          </a:p>
+          <a:p>
+            <a:endParaRPr lang="en-GB" sz="2000" dirty="0">
+              <a:solidFill>
+                <a:srgbClr val="0F1012"/>
+              </a:solidFill>
+              <a:latin typeface="Open Sans" panose="020B0606030504020204" pitchFamily="34" charset="0"/>
+              <a:ea typeface="Open Sans" panose="020B0606030504020204" pitchFamily="34" charset="0"/>
+              <a:cs typeface="Open Sans" panose="020B0606030504020204" pitchFamily="34" charset="0"/>
+            </a:endParaRPr>
+          </a:p>
+          <a:p>
+            <a:r>
+              <a:rPr lang="en-GB" sz="2000" dirty="0">
                 <a:solidFill>
                   <a:srgbClr val="0F1012"/>
                 </a:solidFill>
@@ -3389,10 +2768,10 @@
                 <a:ea typeface="Open Sans" panose="020B0606030504020204" pitchFamily="34" charset="0"/>
                 <a:cs typeface="Open Sans" panose="020B0606030504020204" pitchFamily="34" charset="0"/>
               </a:rPr>
-              <a:t>The Turing Way </a:t>
-            </a:r>
-            <a:r>
-              <a:rPr lang="en-US" sz="2000" dirty="0">
+              <a:t>A more domain agnostic resource that we use is </a:t>
+            </a:r>
+            <a:r>
+              <a:rPr lang="en-GB" sz="2000" b="1" dirty="0">
                 <a:solidFill>
                   <a:srgbClr val="0F1012"/>
                 </a:solidFill>
@@ -3400,8 +2779,76 @@
                 <a:ea typeface="Open Sans" panose="020B0606030504020204" pitchFamily="34" charset="0"/>
                 <a:cs typeface="Open Sans" panose="020B0606030504020204" pitchFamily="34" charset="0"/>
               </a:rPr>
-              <a:t>handbook to reproducible, ethical and collaborative data science. The Turing Way materials are developed by a community and shared under open licensing. The research data management support team at Utrecht University offers workshops for UU staff, but the teaching materials are CC BY.</a:t>
-            </a:r>
+              <a:t>The Turing Way</a:t>
+            </a:r>
+            <a:r>
+              <a:rPr lang="en-GB" sz="2000" dirty="0">
+                <a:solidFill>
+                  <a:srgbClr val="0F1012"/>
+                </a:solidFill>
+                <a:latin typeface="Open Sans" panose="020B0606030504020204" pitchFamily="34" charset="0"/>
+                <a:ea typeface="Open Sans" panose="020B0606030504020204" pitchFamily="34" charset="0"/>
+                <a:cs typeface="Open Sans" panose="020B0606030504020204" pitchFamily="34" charset="0"/>
+              </a:rPr>
+              <a:t>. The Turing Way </a:t>
+            </a:r>
+            <a:r>
+              <a:rPr lang="en-US" sz="2000" dirty="0">
+                <a:solidFill>
+                  <a:srgbClr val="0F1012"/>
+                </a:solidFill>
+                <a:latin typeface="Open Sans" panose="020B0606030504020204" pitchFamily="34" charset="0"/>
+                <a:ea typeface="Open Sans" panose="020B0606030504020204" pitchFamily="34" charset="0"/>
+                <a:cs typeface="Open Sans" panose="020B0606030504020204" pitchFamily="34" charset="0"/>
+              </a:rPr>
+              <a:t>is a handbook for reproducible, ethical and collaborative data science, developed by the Turing Way community.</a:t>
+            </a:r>
+            <a:r>
+              <a:rPr lang="en-US" sz="2000" baseline="30000" dirty="0">
+                <a:solidFill>
+                  <a:srgbClr val="0F1012"/>
+                </a:solidFill>
+                <a:latin typeface="Open Sans" panose="020B0606030504020204" pitchFamily="34" charset="0"/>
+                <a:ea typeface="Open Sans" panose="020B0606030504020204" pitchFamily="34" charset="0"/>
+                <a:cs typeface="Open Sans" panose="020B0606030504020204" pitchFamily="34" charset="0"/>
+              </a:rPr>
+              <a:t>3</a:t>
+            </a:r>
+            <a:r>
+              <a:rPr lang="en-US" sz="2000" dirty="0">
+                <a:solidFill>
+                  <a:srgbClr val="0F1012"/>
+                </a:solidFill>
+                <a:latin typeface="Open Sans" panose="020B0606030504020204" pitchFamily="34" charset="0"/>
+                <a:ea typeface="Open Sans" panose="020B0606030504020204" pitchFamily="34" charset="0"/>
+                <a:cs typeface="Open Sans" panose="020B0606030504020204" pitchFamily="34" charset="0"/>
+              </a:rPr>
+              <a:t> We also use teaching materials from the research data management support workshops offered by the UU library.</a:t>
+            </a:r>
+            <a:r>
+              <a:rPr lang="en-US" sz="2000" baseline="30000" dirty="0">
+                <a:solidFill>
+                  <a:srgbClr val="0F1012"/>
+                </a:solidFill>
+                <a:latin typeface="Open Sans" panose="020B0606030504020204" pitchFamily="34" charset="0"/>
+                <a:ea typeface="Open Sans" panose="020B0606030504020204" pitchFamily="34" charset="0"/>
+                <a:cs typeface="Open Sans" panose="020B0606030504020204" pitchFamily="34" charset="0"/>
+              </a:rPr>
+              <a:t>4, 5</a:t>
+            </a:r>
+            <a:r>
+              <a:rPr lang="en-US" sz="2000" dirty="0">
+                <a:solidFill>
+                  <a:srgbClr val="0F1012"/>
+                </a:solidFill>
+                <a:latin typeface="Open Sans" panose="020B0606030504020204" pitchFamily="34" charset="0"/>
+                <a:ea typeface="Open Sans" panose="020B0606030504020204" pitchFamily="34" charset="0"/>
+                <a:cs typeface="Open Sans" panose="020B0606030504020204" pitchFamily="34" charset="0"/>
+              </a:rPr>
+              <a:t> But… we might be missing some discipline-independent resources for teaching and testing reproducibility for graduate students.</a:t>
+            </a:r>
+          </a:p>
+          <a:p>
             <a:endParaRPr lang="en-GB" sz="2000" dirty="0">
               <a:solidFill>
                 <a:srgbClr val="0F1012"/>
@@ -3428,7 +2875,7 @@
         <p:spPr>
           <a:xfrm>
             <a:off x="22256864" y="6868344"/>
-            <a:ext cx="9313209" cy="3170099"/>
+            <a:ext cx="9313209" cy="4093428"/>
           </a:xfrm>
           <a:prstGeom prst="rect">
             <a:avLst/>
@@ -3445,7 +2892,7 @@
               <a:rPr lang="en-GB" sz="2000" b="1" dirty="0">
                 <a:latin typeface="Merriweather" pitchFamily="2" charset="77"/>
               </a:rPr>
-              <a:t>CODECHECK</a:t>
+              <a:t>Missing element(s)?</a:t>
             </a:r>
           </a:p>
           <a:p>
@@ -3458,10 +2905,10 @@
                 <a:ea typeface="Open Sans" panose="020B0606030504020204" pitchFamily="34" charset="0"/>
                 <a:cs typeface="Open Sans" panose="020B0606030504020204" pitchFamily="34" charset="0"/>
               </a:rPr>
-              <a:t>The </a:t>
-            </a:r>
-            <a:r>
-              <a:rPr lang="en-GB" sz="2000" i="1" dirty="0">
+              <a:t>We do not yet make use of many domain agnostic initiatives for reproducible research. Just to name a few relevant collections: FORRT, Project TIER, and the Carpentries. But more importantly, we could implement </a:t>
+            </a:r>
+            <a:r>
+              <a:rPr lang="en-GB" sz="2000" b="1" dirty="0">
                 <a:solidFill>
                   <a:srgbClr val="0F1012"/>
                 </a:solidFill>
@@ -3469,10 +2916,10 @@
                 <a:ea typeface="Open Sans" panose="020B0606030504020204" pitchFamily="34" charset="0"/>
                 <a:cs typeface="Open Sans" panose="020B0606030504020204" pitchFamily="34" charset="0"/>
               </a:rPr>
-              <a:t>CODECHECK</a:t>
-            </a:r>
-            <a:r>
-              <a:rPr lang="en-GB" sz="2000" dirty="0">
+              <a:t>CODECHECK-</a:t>
+            </a:r>
+            <a:r>
+              <a:rPr lang="en-GB" sz="2000" dirty="0" err="1">
                 <a:solidFill>
                   <a:srgbClr val="0F1012"/>
                 </a:solidFill>
@@ -3480,10 +2927,10 @@
                 <a:ea typeface="Open Sans" panose="020B0606030504020204" pitchFamily="34" charset="0"/>
                 <a:cs typeface="Open Sans" panose="020B0606030504020204" pitchFamily="34" charset="0"/>
               </a:rPr>
-              <a:t> initiative offers </a:t>
-            </a:r>
-            <a:r>
-              <a:rPr lang="en-US" sz="2000" dirty="0">
+              <a:t>ing</a:t>
+            </a:r>
+            <a:r>
+              <a:rPr lang="en-GB" sz="2000" dirty="0">
                 <a:solidFill>
                   <a:srgbClr val="0F1012"/>
                 </a:solidFill>
@@ -3491,7 +2938,107 @@
                 <a:ea typeface="Open Sans" panose="020B0606030504020204" pitchFamily="34" charset="0"/>
                 <a:cs typeface="Open Sans" panose="020B0606030504020204" pitchFamily="34" charset="0"/>
               </a:rPr>
-              <a:t>independent execution of computations underlying research articles. </a:t>
+              <a:t> in our course to teach </a:t>
+            </a:r>
+            <a:r>
+              <a:rPr lang="en-US" sz="2000" dirty="0">
+                <a:solidFill>
+                  <a:srgbClr val="0F1012"/>
+                </a:solidFill>
+                <a:latin typeface="Open Sans" panose="020B0606030504020204" pitchFamily="34" charset="0"/>
+                <a:ea typeface="Open Sans" panose="020B0606030504020204" pitchFamily="34" charset="0"/>
+                <a:cs typeface="Open Sans" panose="020B0606030504020204" pitchFamily="34" charset="0"/>
+              </a:rPr>
+              <a:t>about computational reproducibility</a:t>
+            </a:r>
+            <a:r>
+              <a:rPr lang="en-GB" sz="2000" dirty="0">
+                <a:solidFill>
+                  <a:srgbClr val="0F1012"/>
+                </a:solidFill>
+                <a:latin typeface="Open Sans" panose="020B0606030504020204" pitchFamily="34" charset="0"/>
+                <a:ea typeface="Open Sans" panose="020B0606030504020204" pitchFamily="34" charset="0"/>
+                <a:cs typeface="Open Sans" panose="020B0606030504020204" pitchFamily="34" charset="0"/>
+              </a:rPr>
+              <a:t>.</a:t>
+            </a:r>
+          </a:p>
+          <a:p>
+            <a:br>
+              <a:rPr lang="en-GB" sz="2000" dirty="0">
+                <a:solidFill>
+                  <a:srgbClr val="0F1012"/>
+                </a:solidFill>
+                <a:latin typeface="Open Sans" panose="020B0606030504020204" pitchFamily="34" charset="0"/>
+                <a:ea typeface="Open Sans" panose="020B0606030504020204" pitchFamily="34" charset="0"/>
+                <a:cs typeface="Open Sans" panose="020B0606030504020204" pitchFamily="34" charset="0"/>
+              </a:rPr>
+            </a:br>
+            <a:r>
+              <a:rPr lang="en-GB" sz="2000" dirty="0">
+                <a:solidFill>
+                  <a:srgbClr val="0F1012"/>
+                </a:solidFill>
+                <a:latin typeface="Open Sans" panose="020B0606030504020204" pitchFamily="34" charset="0"/>
+                <a:ea typeface="Open Sans" panose="020B0606030504020204" pitchFamily="34" charset="0"/>
+                <a:cs typeface="Open Sans" panose="020B0606030504020204" pitchFamily="34" charset="0"/>
+              </a:rPr>
+              <a:t>A CODECHECK is an attempted reproduction of research outcomes by independent execution of the analysis code. The CODECHECK initiative appoints </a:t>
+            </a:r>
+            <a:r>
+              <a:rPr lang="en-GB" sz="2000" dirty="0" err="1">
+                <a:solidFill>
+                  <a:srgbClr val="0F1012"/>
+                </a:solidFill>
+                <a:latin typeface="Open Sans" panose="020B0606030504020204" pitchFamily="34" charset="0"/>
+                <a:ea typeface="Open Sans" panose="020B0606030504020204" pitchFamily="34" charset="0"/>
+                <a:cs typeface="Open Sans" panose="020B0606030504020204" pitchFamily="34" charset="0"/>
+              </a:rPr>
+              <a:t>codecheckers</a:t>
+            </a:r>
+            <a:r>
+              <a:rPr lang="en-GB" sz="2000" dirty="0">
+                <a:solidFill>
+                  <a:srgbClr val="0F1012"/>
+                </a:solidFill>
+                <a:latin typeface="Open Sans" panose="020B0606030504020204" pitchFamily="34" charset="0"/>
+                <a:ea typeface="Open Sans" panose="020B0606030504020204" pitchFamily="34" charset="0"/>
+                <a:cs typeface="Open Sans" panose="020B0606030504020204" pitchFamily="34" charset="0"/>
+              </a:rPr>
+              <a:t> to </a:t>
+            </a:r>
+            <a:r>
+              <a:rPr lang="en-US" sz="2000" dirty="0">
+                <a:solidFill>
+                  <a:srgbClr val="0F1012"/>
+                </a:solidFill>
+                <a:latin typeface="Open Sans" panose="020B0606030504020204" pitchFamily="34" charset="0"/>
+                <a:ea typeface="Open Sans" panose="020B0606030504020204" pitchFamily="34" charset="0"/>
+                <a:cs typeface="Open Sans" panose="020B0606030504020204" pitchFamily="34" charset="0"/>
+              </a:rPr>
+              <a:t>CODECHECK (peer-reviewed) research articles.</a:t>
+            </a:r>
+            <a:r>
+              <a:rPr lang="en-US" sz="2000" baseline="30000" dirty="0">
+                <a:solidFill>
+                  <a:srgbClr val="0F1012"/>
+                </a:solidFill>
+                <a:latin typeface="Open Sans" panose="020B0606030504020204" pitchFamily="34" charset="0"/>
+                <a:ea typeface="Open Sans" panose="020B0606030504020204" pitchFamily="34" charset="0"/>
+                <a:cs typeface="Open Sans" panose="020B0606030504020204" pitchFamily="34" charset="0"/>
+              </a:rPr>
+              <a:t>6</a:t>
+            </a:r>
+            <a:r>
+              <a:rPr lang="en-US" sz="2000" dirty="0">
+                <a:solidFill>
+                  <a:srgbClr val="0F1012"/>
+                </a:solidFill>
+                <a:latin typeface="Open Sans" panose="020B0606030504020204" pitchFamily="34" charset="0"/>
+                <a:ea typeface="Open Sans" panose="020B0606030504020204" pitchFamily="34" charset="0"/>
+                <a:cs typeface="Open Sans" panose="020B0606030504020204" pitchFamily="34" charset="0"/>
+              </a:rPr>
+              <a:t> </a:t>
             </a:r>
           </a:p>
           <a:p>
@@ -3514,10 +3061,10 @@
                 <a:ea typeface="Open Sans" panose="020B0606030504020204" pitchFamily="34" charset="0"/>
                 <a:cs typeface="Open Sans" panose="020B0606030504020204" pitchFamily="34" charset="0"/>
               </a:rPr>
-              <a:t>The principles underlying a </a:t>
-            </a:r>
-            <a:r>
-              <a:rPr lang="en-US" sz="2000" i="1" dirty="0">
+              <a:t>In our course, we could teach students how to do a CODECHECK. We could even use CODECHECK-</a:t>
+            </a:r>
+            <a:r>
+              <a:rPr lang="en-US" sz="2000" dirty="0" err="1">
                 <a:solidFill>
                   <a:srgbClr val="0F1012"/>
                 </a:solidFill>
@@ -3525,7 +3072,7 @@
                 <a:ea typeface="Open Sans" panose="020B0606030504020204" pitchFamily="34" charset="0"/>
                 <a:cs typeface="Open Sans" panose="020B0606030504020204" pitchFamily="34" charset="0"/>
               </a:rPr>
-              <a:t>CODECHECK</a:t>
+              <a:t>ing</a:t>
             </a:r>
             <a:r>
               <a:rPr lang="en-US" sz="2000" dirty="0">
@@ -3536,125 +3083,7 @@
                 <a:ea typeface="Open Sans" panose="020B0606030504020204" pitchFamily="34" charset="0"/>
                 <a:cs typeface="Open Sans" panose="020B0606030504020204" pitchFamily="34" charset="0"/>
               </a:rPr>
-              <a:t>:</a:t>
-            </a:r>
-          </a:p>
-          <a:p>
-            <a:pPr marL="342900" indent="-342900">
-              <a:buFontTx/>
-              <a:buChar char="-"/>
-            </a:pPr>
-            <a:r>
-              <a:rPr lang="en-US" sz="2000" dirty="0" err="1">
-                <a:solidFill>
-                  <a:srgbClr val="0F1012"/>
-                </a:solidFill>
-                <a:latin typeface="Open Sans" panose="020B0606030504020204" pitchFamily="34" charset="0"/>
-                <a:ea typeface="Open Sans" panose="020B0606030504020204" pitchFamily="34" charset="0"/>
-                <a:cs typeface="Open Sans" panose="020B0606030504020204" pitchFamily="34" charset="0"/>
-              </a:rPr>
-              <a:t>Codecheckers</a:t>
-            </a:r>
-            <a:r>
-              <a:rPr lang="en-US" sz="2000" dirty="0">
-                <a:solidFill>
-                  <a:srgbClr val="0F1012"/>
-                </a:solidFill>
-                <a:latin typeface="Open Sans" panose="020B0606030504020204" pitchFamily="34" charset="0"/>
-                <a:ea typeface="Open Sans" panose="020B0606030504020204" pitchFamily="34" charset="0"/>
-                <a:cs typeface="Open Sans" panose="020B0606030504020204" pitchFamily="34" charset="0"/>
-              </a:rPr>
-              <a:t> record but don’t investigate or fix.</a:t>
-            </a:r>
-          </a:p>
-          <a:p>
-            <a:pPr marL="342900" indent="-342900">
-              <a:buFontTx/>
-              <a:buChar char="-"/>
-            </a:pPr>
-            <a:r>
-              <a:rPr lang="en-US" sz="2000" dirty="0">
-                <a:solidFill>
-                  <a:srgbClr val="0F1012"/>
-                </a:solidFill>
-                <a:latin typeface="Open Sans" panose="020B0606030504020204" pitchFamily="34" charset="0"/>
-                <a:ea typeface="Open Sans" panose="020B0606030504020204" pitchFamily="34" charset="0"/>
-                <a:cs typeface="Open Sans" panose="020B0606030504020204" pitchFamily="34" charset="0"/>
-              </a:rPr>
-              <a:t>Communication between humans is key.</a:t>
-            </a:r>
-          </a:p>
-          <a:p>
-            <a:pPr marL="342900" indent="-342900">
-              <a:buFontTx/>
-              <a:buChar char="-"/>
-            </a:pPr>
-            <a:r>
-              <a:rPr lang="en-US" sz="2000" dirty="0">
-                <a:solidFill>
-                  <a:srgbClr val="0F1012"/>
-                </a:solidFill>
-                <a:latin typeface="Open Sans" panose="020B0606030504020204" pitchFamily="34" charset="0"/>
-                <a:ea typeface="Open Sans" panose="020B0606030504020204" pitchFamily="34" charset="0"/>
-                <a:cs typeface="Open Sans" panose="020B0606030504020204" pitchFamily="34" charset="0"/>
-              </a:rPr>
-              <a:t>Credit is given to </a:t>
-            </a:r>
-            <a:r>
-              <a:rPr lang="en-US" sz="2000" dirty="0" err="1">
-                <a:solidFill>
-                  <a:srgbClr val="0F1012"/>
-                </a:solidFill>
-                <a:latin typeface="Open Sans" panose="020B0606030504020204" pitchFamily="34" charset="0"/>
-                <a:ea typeface="Open Sans" panose="020B0606030504020204" pitchFamily="34" charset="0"/>
-                <a:cs typeface="Open Sans" panose="020B0606030504020204" pitchFamily="34" charset="0"/>
-              </a:rPr>
-              <a:t>codecheckers</a:t>
-            </a:r>
-            <a:r>
-              <a:rPr lang="en-US" sz="2000" dirty="0">
-                <a:solidFill>
-                  <a:srgbClr val="0F1012"/>
-                </a:solidFill>
-                <a:latin typeface="Open Sans" panose="020B0606030504020204" pitchFamily="34" charset="0"/>
-                <a:ea typeface="Open Sans" panose="020B0606030504020204" pitchFamily="34" charset="0"/>
-                <a:cs typeface="Open Sans" panose="020B0606030504020204" pitchFamily="34" charset="0"/>
-              </a:rPr>
-              <a:t>.</a:t>
-            </a:r>
-          </a:p>
-          <a:p>
-            <a:pPr marL="342900" indent="-342900">
-              <a:buFontTx/>
-              <a:buChar char="-"/>
-            </a:pPr>
-            <a:r>
-              <a:rPr lang="en-US" sz="2000" dirty="0">
-                <a:solidFill>
-                  <a:srgbClr val="0F1012"/>
-                </a:solidFill>
-                <a:latin typeface="Open Sans" panose="020B0606030504020204" pitchFamily="34" charset="0"/>
-                <a:ea typeface="Open Sans" panose="020B0606030504020204" pitchFamily="34" charset="0"/>
-                <a:cs typeface="Open Sans" panose="020B0606030504020204" pitchFamily="34" charset="0"/>
-              </a:rPr>
-              <a:t>Workflows must be auditable.</a:t>
-            </a:r>
-          </a:p>
-          <a:p>
-            <a:pPr marL="342900" indent="-342900">
-              <a:buFontTx/>
-              <a:buChar char="-"/>
-            </a:pPr>
-            <a:r>
-              <a:rPr lang="en-US" sz="2000" dirty="0">
-                <a:solidFill>
-                  <a:srgbClr val="0F1012"/>
-                </a:solidFill>
-                <a:latin typeface="Open Sans" panose="020B0606030504020204" pitchFamily="34" charset="0"/>
-                <a:ea typeface="Open Sans" panose="020B0606030504020204" pitchFamily="34" charset="0"/>
-                <a:cs typeface="Open Sans" panose="020B0606030504020204" pitchFamily="34" charset="0"/>
-              </a:rPr>
-              <a:t>Open by default and transitional by disposition.</a:t>
+              <a:t> as an assessment tool to evaluate whether students meet the learning objectives. Should we?</a:t>
             </a:r>
           </a:p>
         </p:txBody>
@@ -3675,8 +3104,8 @@
         </p:nvSpPr>
         <p:spPr>
           <a:xfrm>
-            <a:off x="1607922" y="21158479"/>
-            <a:ext cx="29549804" cy="677909"/>
+            <a:off x="1607922" y="21252782"/>
+            <a:ext cx="29549804" cy="583606"/>
           </a:xfrm>
           <a:prstGeom prst="rect">
             <a:avLst/>
@@ -3723,45 +3152,15 @@
           <p:nvPr/>
         </p:nvPicPr>
         <p:blipFill>
-          <a:blip r:embed="rId4"/>
+          <a:blip r:embed="rId3"/>
           <a:stretch>
             <a:fillRect/>
           </a:stretch>
         </p:blipFill>
         <p:spPr>
           <a:xfrm>
-            <a:off x="27631697" y="787121"/>
-            <a:ext cx="4209530" cy="2143503"/>
-          </a:xfrm>
-          <a:prstGeom prst="rect">
-            <a:avLst/>
-          </a:prstGeom>
-        </p:spPr>
-      </p:pic>
-      <p:pic>
-        <p:nvPicPr>
-          <p:cNvPr id="5" name="Picture 4">
-            <a:extLst>
-              <a:ext uri="{FF2B5EF4-FFF2-40B4-BE49-F238E27FC236}">
-                <a16:creationId xmlns:a16="http://schemas.microsoft.com/office/drawing/2014/main" id="{E0675052-AAFD-C94D-B979-1D04BE9DCC2B}"/>
-              </a:ext>
-            </a:extLst>
-          </p:cNvPr>
-          <p:cNvPicPr>
-            <a:picLocks noChangeAspect="1"/>
-          </p:cNvPicPr>
-          <p:nvPr/>
-        </p:nvPicPr>
-        <p:blipFill>
-          <a:blip r:embed="rId5"/>
-          <a:stretch>
-            <a:fillRect/>
-          </a:stretch>
-        </p:blipFill>
-        <p:spPr>
-          <a:xfrm>
-            <a:off x="24049705" y="464402"/>
-            <a:ext cx="2388525" cy="2755990"/>
+            <a:off x="22916975" y="13811589"/>
+            <a:ext cx="5029341" cy="2560953"/>
           </a:xfrm>
           <a:prstGeom prst="rect">
             <a:avLst/>
@@ -3783,45 +3182,15 @@
           <p:nvPr/>
         </p:nvPicPr>
         <p:blipFill>
-          <a:blip r:embed="rId6"/>
+          <a:blip r:embed="rId4"/>
           <a:stretch>
             <a:fillRect/>
           </a:stretch>
         </p:blipFill>
         <p:spPr>
           <a:xfrm>
-            <a:off x="18341388" y="908497"/>
-            <a:ext cx="4514850" cy="1428750"/>
-          </a:xfrm>
-          <a:prstGeom prst="rect">
-            <a:avLst/>
-          </a:prstGeom>
-        </p:spPr>
-      </p:pic>
-      <p:pic>
-        <p:nvPicPr>
-          <p:cNvPr id="9" name="Picture 8">
-            <a:extLst>
-              <a:ext uri="{FF2B5EF4-FFF2-40B4-BE49-F238E27FC236}">
-                <a16:creationId xmlns:a16="http://schemas.microsoft.com/office/drawing/2014/main" id="{CAE6834D-1E2D-B68B-49E9-AFDD51FBCB67}"/>
-              </a:ext>
-            </a:extLst>
-          </p:cNvPr>
-          <p:cNvPicPr>
-            <a:picLocks noChangeAspect="1"/>
-          </p:cNvPicPr>
-          <p:nvPr/>
-        </p:nvPicPr>
-        <p:blipFill>
-          <a:blip r:embed="rId7"/>
-          <a:stretch>
-            <a:fillRect/>
-          </a:stretch>
-        </p:blipFill>
-        <p:spPr>
-          <a:xfrm>
-            <a:off x="22856238" y="14474228"/>
-            <a:ext cx="5211777" cy="4314262"/>
+            <a:off x="28339708" y="15668180"/>
+            <a:ext cx="2157983" cy="682906"/>
           </a:xfrm>
           <a:prstGeom prst="rect">
             <a:avLst/>
@@ -3843,15 +3212,15 @@
           <p:nvPr/>
         </p:nvPicPr>
         <p:blipFill>
-          <a:blip r:embed="rId8"/>
+          <a:blip r:embed="rId5"/>
           <a:stretch>
             <a:fillRect/>
           </a:stretch>
         </p:blipFill>
         <p:spPr>
           <a:xfrm>
-            <a:off x="2353212" y="15093600"/>
-            <a:ext cx="3452012" cy="1438788"/>
+            <a:off x="2305904" y="13637096"/>
+            <a:ext cx="3282494" cy="1368133"/>
           </a:xfrm>
           <a:prstGeom prst="rect">
             <a:avLst/>
@@ -3873,14 +3242,14 @@
           <p:nvPr/>
         </p:nvPicPr>
         <p:blipFill>
-          <a:blip r:embed="rId9"/>
+          <a:blip r:embed="rId6"/>
           <a:stretch>
             <a:fillRect/>
           </a:stretch>
         </p:blipFill>
         <p:spPr>
           <a:xfrm>
-            <a:off x="5198852" y="16532388"/>
+            <a:off x="5874024" y="13637096"/>
             <a:ext cx="1940904" cy="1940904"/>
           </a:xfrm>
           <a:prstGeom prst="rect">
@@ -3903,15 +3272,15 @@
           <p:nvPr/>
         </p:nvPicPr>
         <p:blipFill>
-          <a:blip r:embed="rId10"/>
+          <a:blip r:embed="rId7"/>
           <a:stretch>
             <a:fillRect/>
           </a:stretch>
         </p:blipFill>
         <p:spPr>
           <a:xfrm>
-            <a:off x="6962464" y="15167672"/>
-            <a:ext cx="1799854" cy="1799854"/>
+            <a:off x="6017072" y="16062535"/>
+            <a:ext cx="1664017" cy="1664017"/>
           </a:xfrm>
           <a:prstGeom prst="rect">
             <a:avLst/>
@@ -3933,14 +3302,14 @@
           <p:nvPr/>
         </p:nvPicPr>
         <p:blipFill>
-          <a:blip r:embed="rId11"/>
+          <a:blip r:embed="rId8"/>
           <a:stretch>
             <a:fillRect/>
           </a:stretch>
         </p:blipFill>
         <p:spPr>
           <a:xfrm>
-            <a:off x="9238212" y="15146833"/>
+            <a:off x="11611954" y="13806839"/>
             <a:ext cx="1772787" cy="2045796"/>
           </a:xfrm>
           <a:prstGeom prst="rect">
@@ -3963,14 +3332,14 @@
           <p:nvPr/>
         </p:nvPicPr>
         <p:blipFill>
-          <a:blip r:embed="rId12"/>
+          <a:blip r:embed="rId9"/>
           <a:stretch>
             <a:fillRect/>
           </a:stretch>
         </p:blipFill>
         <p:spPr>
           <a:xfrm>
-            <a:off x="11266660" y="15165849"/>
+            <a:off x="13674654" y="13873469"/>
             <a:ext cx="1710926" cy="1978258"/>
           </a:xfrm>
           <a:prstGeom prst="rect">
@@ -3993,14 +3362,14 @@
           <p:nvPr/>
         </p:nvPicPr>
         <p:blipFill>
-          <a:blip r:embed="rId13"/>
+          <a:blip r:embed="rId10"/>
           <a:stretch>
             <a:fillRect/>
           </a:stretch>
         </p:blipFill>
         <p:spPr>
           <a:xfrm>
-            <a:off x="10245716" y="16877605"/>
+            <a:off x="12670738" y="15629826"/>
             <a:ext cx="1760381" cy="2046955"/>
           </a:xfrm>
           <a:prstGeom prst="rect">
@@ -4022,7 +3391,7 @@
         </p:nvSpPr>
         <p:spPr>
           <a:xfrm rot="1321608">
-            <a:off x="-148205" y="9532404"/>
+            <a:off x="33060642" y="13541229"/>
             <a:ext cx="33214810" cy="1938992"/>
           </a:xfrm>
           <a:prstGeom prst="rect">
@@ -4102,6 +3471,2013 @@
           </a:p>
         </p:txBody>
       </p:sp>
+      <p:pic>
+        <p:nvPicPr>
+          <p:cNvPr id="4" name="chart">
+            <a:extLst>
+              <a:ext uri="{FF2B5EF4-FFF2-40B4-BE49-F238E27FC236}">
+                <a16:creationId xmlns:a16="http://schemas.microsoft.com/office/drawing/2014/main" id="{35118DAB-A05B-064C-14AE-52D51DE577A6}"/>
+              </a:ext>
+            </a:extLst>
+          </p:cNvPr>
+          <p:cNvPicPr>
+            <a:picLocks noChangeAspect="1"/>
+          </p:cNvPicPr>
+          <p:nvPr/>
+        </p:nvPicPr>
+        <p:blipFill>
+          <a:blip r:embed="rId11"/>
+          <a:stretch>
+            <a:fillRect/>
+          </a:stretch>
+        </p:blipFill>
+        <p:spPr>
+          <a:xfrm>
+            <a:off x="2390285" y="15437383"/>
+            <a:ext cx="1970768" cy="2274623"/>
+          </a:xfrm>
+          <a:prstGeom prst="rect">
+            <a:avLst/>
+          </a:prstGeom>
+        </p:spPr>
+      </p:pic>
+      <p:sp>
+        <p:nvSpPr>
+          <p:cNvPr id="8" name="Subtitel 2">
+            <a:extLst>
+              <a:ext uri="{FF2B5EF4-FFF2-40B4-BE49-F238E27FC236}">
+                <a16:creationId xmlns:a16="http://schemas.microsoft.com/office/drawing/2014/main" id="{8A10AB97-79C8-C8E0-03F2-BDD897AAFC32}"/>
+              </a:ext>
+            </a:extLst>
+          </p:cNvPr>
+          <p:cNvSpPr txBox="1">
+            <a:spLocks/>
+          </p:cNvSpPr>
+          <p:nvPr/>
+        </p:nvSpPr>
+        <p:spPr>
+          <a:xfrm>
+            <a:off x="2357737" y="18364579"/>
+            <a:ext cx="3404703" cy="411075"/>
+          </a:xfrm>
+          <a:prstGeom prst="rect">
+            <a:avLst/>
+          </a:prstGeom>
+          <a:noFill/>
+        </p:spPr>
+        <p:txBody>
+          <a:bodyPr vert="horz" wrap="square" lIns="0" tIns="0" rIns="0" bIns="0" rtlCol="0">
+            <a:spAutoFit/>
+          </a:bodyPr>
+          <a:lstStyle>
+            <a:lvl1pPr marL="0" indent="0" algn="ctr" defTabSz="457200" rtl="0" eaLnBrk="1" latinLnBrk="0" hangingPunct="1">
+              <a:spcBef>
+                <a:spcPct val="20000"/>
+              </a:spcBef>
+              <a:buFont typeface="Arial"/>
+              <a:buNone/>
+              <a:defRPr sz="3200" kern="1200">
+                <a:solidFill>
+                  <a:schemeClr val="tx1">
+                    <a:tint val="75000"/>
+                  </a:schemeClr>
+                </a:solidFill>
+                <a:latin typeface="+mn-lt"/>
+                <a:ea typeface="+mn-ea"/>
+                <a:cs typeface="+mn-cs"/>
+              </a:defRPr>
+            </a:lvl1pPr>
+            <a:lvl2pPr marL="457200" indent="0" algn="ctr" defTabSz="457200" rtl="0" eaLnBrk="1" latinLnBrk="0" hangingPunct="1">
+              <a:spcBef>
+                <a:spcPct val="20000"/>
+              </a:spcBef>
+              <a:buFont typeface="Arial"/>
+              <a:buNone/>
+              <a:defRPr sz="2800" kern="1200">
+                <a:solidFill>
+                  <a:schemeClr val="tx1">
+                    <a:tint val="75000"/>
+                  </a:schemeClr>
+                </a:solidFill>
+                <a:latin typeface="+mn-lt"/>
+                <a:ea typeface="+mn-ea"/>
+                <a:cs typeface="+mn-cs"/>
+              </a:defRPr>
+            </a:lvl2pPr>
+            <a:lvl3pPr marL="914400" indent="0" algn="ctr" defTabSz="457200" rtl="0" eaLnBrk="1" latinLnBrk="0" hangingPunct="1">
+              <a:spcBef>
+                <a:spcPct val="20000"/>
+              </a:spcBef>
+              <a:buFont typeface="Arial"/>
+              <a:buNone/>
+              <a:defRPr sz="2400" kern="1200">
+                <a:solidFill>
+                  <a:schemeClr val="tx1">
+                    <a:tint val="75000"/>
+                  </a:schemeClr>
+                </a:solidFill>
+                <a:latin typeface="+mn-lt"/>
+                <a:ea typeface="+mn-ea"/>
+                <a:cs typeface="+mn-cs"/>
+              </a:defRPr>
+            </a:lvl3pPr>
+            <a:lvl4pPr marL="1371600" indent="0" algn="ctr" defTabSz="457200" rtl="0" eaLnBrk="1" latinLnBrk="0" hangingPunct="1">
+              <a:spcBef>
+                <a:spcPct val="20000"/>
+              </a:spcBef>
+              <a:buFont typeface="Arial"/>
+              <a:buNone/>
+              <a:defRPr sz="2000" kern="1200">
+                <a:solidFill>
+                  <a:schemeClr val="tx1">
+                    <a:tint val="75000"/>
+                  </a:schemeClr>
+                </a:solidFill>
+                <a:latin typeface="+mn-lt"/>
+                <a:ea typeface="+mn-ea"/>
+                <a:cs typeface="+mn-cs"/>
+              </a:defRPr>
+            </a:lvl4pPr>
+            <a:lvl5pPr marL="1828800" indent="0" algn="ctr" defTabSz="457200" rtl="0" eaLnBrk="1" latinLnBrk="0" hangingPunct="1">
+              <a:spcBef>
+                <a:spcPct val="20000"/>
+              </a:spcBef>
+              <a:buFont typeface="Arial"/>
+              <a:buNone/>
+              <a:defRPr sz="2000" kern="1200">
+                <a:solidFill>
+                  <a:schemeClr val="tx1">
+                    <a:tint val="75000"/>
+                  </a:schemeClr>
+                </a:solidFill>
+                <a:latin typeface="+mn-lt"/>
+                <a:ea typeface="+mn-ea"/>
+                <a:cs typeface="+mn-cs"/>
+              </a:defRPr>
+            </a:lvl5pPr>
+            <a:lvl6pPr marL="2286000" indent="0" algn="ctr" defTabSz="457200" rtl="0" eaLnBrk="1" latinLnBrk="0" hangingPunct="1">
+              <a:spcBef>
+                <a:spcPct val="20000"/>
+              </a:spcBef>
+              <a:buFont typeface="Arial"/>
+              <a:buNone/>
+              <a:defRPr sz="2000" kern="1200">
+                <a:solidFill>
+                  <a:schemeClr val="tx1">
+                    <a:tint val="75000"/>
+                  </a:schemeClr>
+                </a:solidFill>
+                <a:latin typeface="+mn-lt"/>
+                <a:ea typeface="+mn-ea"/>
+                <a:cs typeface="+mn-cs"/>
+              </a:defRPr>
+            </a:lvl6pPr>
+            <a:lvl7pPr marL="2743200" indent="0" algn="ctr" defTabSz="457200" rtl="0" eaLnBrk="1" latinLnBrk="0" hangingPunct="1">
+              <a:spcBef>
+                <a:spcPct val="20000"/>
+              </a:spcBef>
+              <a:buFont typeface="Arial"/>
+              <a:buNone/>
+              <a:defRPr sz="2000" kern="1200">
+                <a:solidFill>
+                  <a:schemeClr val="tx1">
+                    <a:tint val="75000"/>
+                  </a:schemeClr>
+                </a:solidFill>
+                <a:latin typeface="+mn-lt"/>
+                <a:ea typeface="+mn-ea"/>
+                <a:cs typeface="+mn-cs"/>
+              </a:defRPr>
+            </a:lvl7pPr>
+            <a:lvl8pPr marL="3200400" indent="0" algn="ctr" defTabSz="457200" rtl="0" eaLnBrk="1" latinLnBrk="0" hangingPunct="1">
+              <a:spcBef>
+                <a:spcPct val="20000"/>
+              </a:spcBef>
+              <a:buFont typeface="Arial"/>
+              <a:buNone/>
+              <a:defRPr sz="2000" kern="1200">
+                <a:solidFill>
+                  <a:schemeClr val="tx1">
+                    <a:tint val="75000"/>
+                  </a:schemeClr>
+                </a:solidFill>
+                <a:latin typeface="+mn-lt"/>
+                <a:ea typeface="+mn-ea"/>
+                <a:cs typeface="+mn-cs"/>
+              </a:defRPr>
+            </a:lvl8pPr>
+            <a:lvl9pPr marL="3657600" indent="0" algn="ctr" defTabSz="457200" rtl="0" eaLnBrk="1" latinLnBrk="0" hangingPunct="1">
+              <a:spcBef>
+                <a:spcPct val="20000"/>
+              </a:spcBef>
+              <a:buFont typeface="Arial"/>
+              <a:buNone/>
+              <a:defRPr sz="2000" kern="1200">
+                <a:solidFill>
+                  <a:schemeClr val="tx1">
+                    <a:tint val="75000"/>
+                  </a:schemeClr>
+                </a:solidFill>
+                <a:latin typeface="+mn-lt"/>
+                <a:ea typeface="+mn-ea"/>
+                <a:cs typeface="+mn-cs"/>
+              </a:defRPr>
+            </a:lvl9pPr>
+          </a:lstStyle>
+          <a:p>
+            <a:pPr algn="l">
+              <a:lnSpc>
+                <a:spcPts val="3588"/>
+              </a:lnSpc>
+              <a:spcBef>
+                <a:spcPts val="0"/>
+              </a:spcBef>
+            </a:pPr>
+            <a:r>
+              <a:rPr lang="en-GB" sz="1957" b="1" dirty="0">
+                <a:solidFill>
+                  <a:srgbClr val="0F1012"/>
+                </a:solidFill>
+                <a:latin typeface="Open Sans SemiBold" panose="020B0606030504020204" pitchFamily="34" charset="0"/>
+                <a:ea typeface="Open Sans SemiBold" panose="020B0606030504020204" pitchFamily="34" charset="0"/>
+                <a:cs typeface="Open Sans SemiBold" panose="020B0606030504020204" pitchFamily="34" charset="0"/>
+              </a:rPr>
+              <a:t>Markup languages</a:t>
+            </a:r>
+          </a:p>
+        </p:txBody>
+      </p:sp>
+      <p:sp>
+        <p:nvSpPr>
+          <p:cNvPr id="10" name="Subtitel 2">
+            <a:extLst>
+              <a:ext uri="{FF2B5EF4-FFF2-40B4-BE49-F238E27FC236}">
+                <a16:creationId xmlns:a16="http://schemas.microsoft.com/office/drawing/2014/main" id="{A3C436DC-D124-50A6-0766-8B996D63D53C}"/>
+              </a:ext>
+            </a:extLst>
+          </p:cNvPr>
+          <p:cNvSpPr txBox="1">
+            <a:spLocks/>
+          </p:cNvSpPr>
+          <p:nvPr/>
+        </p:nvSpPr>
+        <p:spPr>
+          <a:xfrm>
+            <a:off x="6006780" y="18365122"/>
+            <a:ext cx="3404703" cy="411075"/>
+          </a:xfrm>
+          <a:prstGeom prst="rect">
+            <a:avLst/>
+          </a:prstGeom>
+          <a:noFill/>
+        </p:spPr>
+        <p:txBody>
+          <a:bodyPr vert="horz" wrap="square" lIns="0" tIns="0" rIns="0" bIns="0" rtlCol="0">
+            <a:spAutoFit/>
+          </a:bodyPr>
+          <a:lstStyle>
+            <a:lvl1pPr marL="0" indent="0" algn="ctr" defTabSz="457200" rtl="0" eaLnBrk="1" latinLnBrk="0" hangingPunct="1">
+              <a:spcBef>
+                <a:spcPct val="20000"/>
+              </a:spcBef>
+              <a:buFont typeface="Arial"/>
+              <a:buNone/>
+              <a:defRPr sz="3200" kern="1200">
+                <a:solidFill>
+                  <a:schemeClr val="tx1">
+                    <a:tint val="75000"/>
+                  </a:schemeClr>
+                </a:solidFill>
+                <a:latin typeface="+mn-lt"/>
+                <a:ea typeface="+mn-ea"/>
+                <a:cs typeface="+mn-cs"/>
+              </a:defRPr>
+            </a:lvl1pPr>
+            <a:lvl2pPr marL="457200" indent="0" algn="ctr" defTabSz="457200" rtl="0" eaLnBrk="1" latinLnBrk="0" hangingPunct="1">
+              <a:spcBef>
+                <a:spcPct val="20000"/>
+              </a:spcBef>
+              <a:buFont typeface="Arial"/>
+              <a:buNone/>
+              <a:defRPr sz="2800" kern="1200">
+                <a:solidFill>
+                  <a:schemeClr val="tx1">
+                    <a:tint val="75000"/>
+                  </a:schemeClr>
+                </a:solidFill>
+                <a:latin typeface="+mn-lt"/>
+                <a:ea typeface="+mn-ea"/>
+                <a:cs typeface="+mn-cs"/>
+              </a:defRPr>
+            </a:lvl2pPr>
+            <a:lvl3pPr marL="914400" indent="0" algn="ctr" defTabSz="457200" rtl="0" eaLnBrk="1" latinLnBrk="0" hangingPunct="1">
+              <a:spcBef>
+                <a:spcPct val="20000"/>
+              </a:spcBef>
+              <a:buFont typeface="Arial"/>
+              <a:buNone/>
+              <a:defRPr sz="2400" kern="1200">
+                <a:solidFill>
+                  <a:schemeClr val="tx1">
+                    <a:tint val="75000"/>
+                  </a:schemeClr>
+                </a:solidFill>
+                <a:latin typeface="+mn-lt"/>
+                <a:ea typeface="+mn-ea"/>
+                <a:cs typeface="+mn-cs"/>
+              </a:defRPr>
+            </a:lvl3pPr>
+            <a:lvl4pPr marL="1371600" indent="0" algn="ctr" defTabSz="457200" rtl="0" eaLnBrk="1" latinLnBrk="0" hangingPunct="1">
+              <a:spcBef>
+                <a:spcPct val="20000"/>
+              </a:spcBef>
+              <a:buFont typeface="Arial"/>
+              <a:buNone/>
+              <a:defRPr sz="2000" kern="1200">
+                <a:solidFill>
+                  <a:schemeClr val="tx1">
+                    <a:tint val="75000"/>
+                  </a:schemeClr>
+                </a:solidFill>
+                <a:latin typeface="+mn-lt"/>
+                <a:ea typeface="+mn-ea"/>
+                <a:cs typeface="+mn-cs"/>
+              </a:defRPr>
+            </a:lvl4pPr>
+            <a:lvl5pPr marL="1828800" indent="0" algn="ctr" defTabSz="457200" rtl="0" eaLnBrk="1" latinLnBrk="0" hangingPunct="1">
+              <a:spcBef>
+                <a:spcPct val="20000"/>
+              </a:spcBef>
+              <a:buFont typeface="Arial"/>
+              <a:buNone/>
+              <a:defRPr sz="2000" kern="1200">
+                <a:solidFill>
+                  <a:schemeClr val="tx1">
+                    <a:tint val="75000"/>
+                  </a:schemeClr>
+                </a:solidFill>
+                <a:latin typeface="+mn-lt"/>
+                <a:ea typeface="+mn-ea"/>
+                <a:cs typeface="+mn-cs"/>
+              </a:defRPr>
+            </a:lvl5pPr>
+            <a:lvl6pPr marL="2286000" indent="0" algn="ctr" defTabSz="457200" rtl="0" eaLnBrk="1" latinLnBrk="0" hangingPunct="1">
+              <a:spcBef>
+                <a:spcPct val="20000"/>
+              </a:spcBef>
+              <a:buFont typeface="Arial"/>
+              <a:buNone/>
+              <a:defRPr sz="2000" kern="1200">
+                <a:solidFill>
+                  <a:schemeClr val="tx1">
+                    <a:tint val="75000"/>
+                  </a:schemeClr>
+                </a:solidFill>
+                <a:latin typeface="+mn-lt"/>
+                <a:ea typeface="+mn-ea"/>
+                <a:cs typeface="+mn-cs"/>
+              </a:defRPr>
+            </a:lvl6pPr>
+            <a:lvl7pPr marL="2743200" indent="0" algn="ctr" defTabSz="457200" rtl="0" eaLnBrk="1" latinLnBrk="0" hangingPunct="1">
+              <a:spcBef>
+                <a:spcPct val="20000"/>
+              </a:spcBef>
+              <a:buFont typeface="Arial"/>
+              <a:buNone/>
+              <a:defRPr sz="2000" kern="1200">
+                <a:solidFill>
+                  <a:schemeClr val="tx1">
+                    <a:tint val="75000"/>
+                  </a:schemeClr>
+                </a:solidFill>
+                <a:latin typeface="+mn-lt"/>
+                <a:ea typeface="+mn-ea"/>
+                <a:cs typeface="+mn-cs"/>
+              </a:defRPr>
+            </a:lvl7pPr>
+            <a:lvl8pPr marL="3200400" indent="0" algn="ctr" defTabSz="457200" rtl="0" eaLnBrk="1" latinLnBrk="0" hangingPunct="1">
+              <a:spcBef>
+                <a:spcPct val="20000"/>
+              </a:spcBef>
+              <a:buFont typeface="Arial"/>
+              <a:buNone/>
+              <a:defRPr sz="2000" kern="1200">
+                <a:solidFill>
+                  <a:schemeClr val="tx1">
+                    <a:tint val="75000"/>
+                  </a:schemeClr>
+                </a:solidFill>
+                <a:latin typeface="+mn-lt"/>
+                <a:ea typeface="+mn-ea"/>
+                <a:cs typeface="+mn-cs"/>
+              </a:defRPr>
+            </a:lvl8pPr>
+            <a:lvl9pPr marL="3657600" indent="0" algn="ctr" defTabSz="457200" rtl="0" eaLnBrk="1" latinLnBrk="0" hangingPunct="1">
+              <a:spcBef>
+                <a:spcPct val="20000"/>
+              </a:spcBef>
+              <a:buFont typeface="Arial"/>
+              <a:buNone/>
+              <a:defRPr sz="2000" kern="1200">
+                <a:solidFill>
+                  <a:schemeClr val="tx1">
+                    <a:tint val="75000"/>
+                  </a:schemeClr>
+                </a:solidFill>
+                <a:latin typeface="+mn-lt"/>
+                <a:ea typeface="+mn-ea"/>
+                <a:cs typeface="+mn-cs"/>
+              </a:defRPr>
+            </a:lvl9pPr>
+          </a:lstStyle>
+          <a:p>
+            <a:pPr algn="l">
+              <a:lnSpc>
+                <a:spcPts val="3588"/>
+              </a:lnSpc>
+              <a:spcBef>
+                <a:spcPts val="0"/>
+              </a:spcBef>
+            </a:pPr>
+            <a:r>
+              <a:rPr lang="en-GB" sz="1957" b="1" dirty="0">
+                <a:solidFill>
+                  <a:srgbClr val="0F1012"/>
+                </a:solidFill>
+                <a:latin typeface="Open Sans SemiBold" panose="020B0606030504020204" pitchFamily="34" charset="0"/>
+                <a:ea typeface="Open Sans SemiBold" panose="020B0606030504020204" pitchFamily="34" charset="0"/>
+                <a:cs typeface="Open Sans SemiBold" panose="020B0606030504020204" pitchFamily="34" charset="0"/>
+              </a:rPr>
+              <a:t>Version control</a:t>
+            </a:r>
+          </a:p>
+        </p:txBody>
+      </p:sp>
+      <p:sp>
+        <p:nvSpPr>
+          <p:cNvPr id="12" name="Subtitel 2">
+            <a:extLst>
+              <a:ext uri="{FF2B5EF4-FFF2-40B4-BE49-F238E27FC236}">
+                <a16:creationId xmlns:a16="http://schemas.microsoft.com/office/drawing/2014/main" id="{755B9E18-DFFB-E778-8B61-B15874B3B5E3}"/>
+              </a:ext>
+            </a:extLst>
+          </p:cNvPr>
+          <p:cNvSpPr txBox="1">
+            <a:spLocks/>
+          </p:cNvSpPr>
+          <p:nvPr/>
+        </p:nvSpPr>
+        <p:spPr>
+          <a:xfrm>
+            <a:off x="12728767" y="18454645"/>
+            <a:ext cx="3404703" cy="411075"/>
+          </a:xfrm>
+          <a:prstGeom prst="rect">
+            <a:avLst/>
+          </a:prstGeom>
+          <a:noFill/>
+        </p:spPr>
+        <p:txBody>
+          <a:bodyPr vert="horz" wrap="square" lIns="0" tIns="0" rIns="0" bIns="0" rtlCol="0">
+            <a:spAutoFit/>
+          </a:bodyPr>
+          <a:lstStyle>
+            <a:lvl1pPr marL="0" indent="0" algn="ctr" defTabSz="457200" rtl="0" eaLnBrk="1" latinLnBrk="0" hangingPunct="1">
+              <a:spcBef>
+                <a:spcPct val="20000"/>
+              </a:spcBef>
+              <a:buFont typeface="Arial"/>
+              <a:buNone/>
+              <a:defRPr sz="3200" kern="1200">
+                <a:solidFill>
+                  <a:schemeClr val="tx1">
+                    <a:tint val="75000"/>
+                  </a:schemeClr>
+                </a:solidFill>
+                <a:latin typeface="+mn-lt"/>
+                <a:ea typeface="+mn-ea"/>
+                <a:cs typeface="+mn-cs"/>
+              </a:defRPr>
+            </a:lvl1pPr>
+            <a:lvl2pPr marL="457200" indent="0" algn="ctr" defTabSz="457200" rtl="0" eaLnBrk="1" latinLnBrk="0" hangingPunct="1">
+              <a:spcBef>
+                <a:spcPct val="20000"/>
+              </a:spcBef>
+              <a:buFont typeface="Arial"/>
+              <a:buNone/>
+              <a:defRPr sz="2800" kern="1200">
+                <a:solidFill>
+                  <a:schemeClr val="tx1">
+                    <a:tint val="75000"/>
+                  </a:schemeClr>
+                </a:solidFill>
+                <a:latin typeface="+mn-lt"/>
+                <a:ea typeface="+mn-ea"/>
+                <a:cs typeface="+mn-cs"/>
+              </a:defRPr>
+            </a:lvl2pPr>
+            <a:lvl3pPr marL="914400" indent="0" algn="ctr" defTabSz="457200" rtl="0" eaLnBrk="1" latinLnBrk="0" hangingPunct="1">
+              <a:spcBef>
+                <a:spcPct val="20000"/>
+              </a:spcBef>
+              <a:buFont typeface="Arial"/>
+              <a:buNone/>
+              <a:defRPr sz="2400" kern="1200">
+                <a:solidFill>
+                  <a:schemeClr val="tx1">
+                    <a:tint val="75000"/>
+                  </a:schemeClr>
+                </a:solidFill>
+                <a:latin typeface="+mn-lt"/>
+                <a:ea typeface="+mn-ea"/>
+                <a:cs typeface="+mn-cs"/>
+              </a:defRPr>
+            </a:lvl3pPr>
+            <a:lvl4pPr marL="1371600" indent="0" algn="ctr" defTabSz="457200" rtl="0" eaLnBrk="1" latinLnBrk="0" hangingPunct="1">
+              <a:spcBef>
+                <a:spcPct val="20000"/>
+              </a:spcBef>
+              <a:buFont typeface="Arial"/>
+              <a:buNone/>
+              <a:defRPr sz="2000" kern="1200">
+                <a:solidFill>
+                  <a:schemeClr val="tx1">
+                    <a:tint val="75000"/>
+                  </a:schemeClr>
+                </a:solidFill>
+                <a:latin typeface="+mn-lt"/>
+                <a:ea typeface="+mn-ea"/>
+                <a:cs typeface="+mn-cs"/>
+              </a:defRPr>
+            </a:lvl4pPr>
+            <a:lvl5pPr marL="1828800" indent="0" algn="ctr" defTabSz="457200" rtl="0" eaLnBrk="1" latinLnBrk="0" hangingPunct="1">
+              <a:spcBef>
+                <a:spcPct val="20000"/>
+              </a:spcBef>
+              <a:buFont typeface="Arial"/>
+              <a:buNone/>
+              <a:defRPr sz="2000" kern="1200">
+                <a:solidFill>
+                  <a:schemeClr val="tx1">
+                    <a:tint val="75000"/>
+                  </a:schemeClr>
+                </a:solidFill>
+                <a:latin typeface="+mn-lt"/>
+                <a:ea typeface="+mn-ea"/>
+                <a:cs typeface="+mn-cs"/>
+              </a:defRPr>
+            </a:lvl5pPr>
+            <a:lvl6pPr marL="2286000" indent="0" algn="ctr" defTabSz="457200" rtl="0" eaLnBrk="1" latinLnBrk="0" hangingPunct="1">
+              <a:spcBef>
+                <a:spcPct val="20000"/>
+              </a:spcBef>
+              <a:buFont typeface="Arial"/>
+              <a:buNone/>
+              <a:defRPr sz="2000" kern="1200">
+                <a:solidFill>
+                  <a:schemeClr val="tx1">
+                    <a:tint val="75000"/>
+                  </a:schemeClr>
+                </a:solidFill>
+                <a:latin typeface="+mn-lt"/>
+                <a:ea typeface="+mn-ea"/>
+                <a:cs typeface="+mn-cs"/>
+              </a:defRPr>
+            </a:lvl6pPr>
+            <a:lvl7pPr marL="2743200" indent="0" algn="ctr" defTabSz="457200" rtl="0" eaLnBrk="1" latinLnBrk="0" hangingPunct="1">
+              <a:spcBef>
+                <a:spcPct val="20000"/>
+              </a:spcBef>
+              <a:buFont typeface="Arial"/>
+              <a:buNone/>
+              <a:defRPr sz="2000" kern="1200">
+                <a:solidFill>
+                  <a:schemeClr val="tx1">
+                    <a:tint val="75000"/>
+                  </a:schemeClr>
+                </a:solidFill>
+                <a:latin typeface="+mn-lt"/>
+                <a:ea typeface="+mn-ea"/>
+                <a:cs typeface="+mn-cs"/>
+              </a:defRPr>
+            </a:lvl7pPr>
+            <a:lvl8pPr marL="3200400" indent="0" algn="ctr" defTabSz="457200" rtl="0" eaLnBrk="1" latinLnBrk="0" hangingPunct="1">
+              <a:spcBef>
+                <a:spcPct val="20000"/>
+              </a:spcBef>
+              <a:buFont typeface="Arial"/>
+              <a:buNone/>
+              <a:defRPr sz="2000" kern="1200">
+                <a:solidFill>
+                  <a:schemeClr val="tx1">
+                    <a:tint val="75000"/>
+                  </a:schemeClr>
+                </a:solidFill>
+                <a:latin typeface="+mn-lt"/>
+                <a:ea typeface="+mn-ea"/>
+                <a:cs typeface="+mn-cs"/>
+              </a:defRPr>
+            </a:lvl8pPr>
+            <a:lvl9pPr marL="3657600" indent="0" algn="ctr" defTabSz="457200" rtl="0" eaLnBrk="1" latinLnBrk="0" hangingPunct="1">
+              <a:spcBef>
+                <a:spcPct val="20000"/>
+              </a:spcBef>
+              <a:buFont typeface="Arial"/>
+              <a:buNone/>
+              <a:defRPr sz="2000" kern="1200">
+                <a:solidFill>
+                  <a:schemeClr val="tx1">
+                    <a:tint val="75000"/>
+                  </a:schemeClr>
+                </a:solidFill>
+                <a:latin typeface="+mn-lt"/>
+                <a:ea typeface="+mn-ea"/>
+                <a:cs typeface="+mn-cs"/>
+              </a:defRPr>
+            </a:lvl9pPr>
+          </a:lstStyle>
+          <a:p>
+            <a:pPr algn="l">
+              <a:lnSpc>
+                <a:spcPts val="3588"/>
+              </a:lnSpc>
+              <a:spcBef>
+                <a:spcPts val="0"/>
+              </a:spcBef>
+            </a:pPr>
+            <a:r>
+              <a:rPr lang="en-GB" sz="1957" b="1" dirty="0">
+                <a:solidFill>
+                  <a:srgbClr val="0F1012"/>
+                </a:solidFill>
+                <a:latin typeface="Open Sans SemiBold" panose="020B0606030504020204" pitchFamily="34" charset="0"/>
+                <a:ea typeface="Open Sans SemiBold" panose="020B0606030504020204" pitchFamily="34" charset="0"/>
+                <a:cs typeface="Open Sans SemiBold" panose="020B0606030504020204" pitchFamily="34" charset="0"/>
+              </a:rPr>
+              <a:t>Sharing R code</a:t>
+            </a:r>
+          </a:p>
+        </p:txBody>
+      </p:sp>
+      <p:sp>
+        <p:nvSpPr>
+          <p:cNvPr id="13" name="Subtitel 2">
+            <a:extLst>
+              <a:ext uri="{FF2B5EF4-FFF2-40B4-BE49-F238E27FC236}">
+                <a16:creationId xmlns:a16="http://schemas.microsoft.com/office/drawing/2014/main" id="{8DDA8810-CC3A-B3F5-F39C-B20B5ED292EF}"/>
+              </a:ext>
+            </a:extLst>
+          </p:cNvPr>
+          <p:cNvSpPr txBox="1">
+            <a:spLocks/>
+          </p:cNvSpPr>
+          <p:nvPr/>
+        </p:nvSpPr>
+        <p:spPr>
+          <a:xfrm>
+            <a:off x="17241588" y="18454645"/>
+            <a:ext cx="3404703" cy="411075"/>
+          </a:xfrm>
+          <a:prstGeom prst="rect">
+            <a:avLst/>
+          </a:prstGeom>
+          <a:noFill/>
+        </p:spPr>
+        <p:txBody>
+          <a:bodyPr vert="horz" wrap="square" lIns="0" tIns="0" rIns="0" bIns="0" rtlCol="0">
+            <a:spAutoFit/>
+          </a:bodyPr>
+          <a:lstStyle>
+            <a:lvl1pPr marL="0" indent="0" algn="ctr" defTabSz="457200" rtl="0" eaLnBrk="1" latinLnBrk="0" hangingPunct="1">
+              <a:spcBef>
+                <a:spcPct val="20000"/>
+              </a:spcBef>
+              <a:buFont typeface="Arial"/>
+              <a:buNone/>
+              <a:defRPr sz="3200" kern="1200">
+                <a:solidFill>
+                  <a:schemeClr val="tx1">
+                    <a:tint val="75000"/>
+                  </a:schemeClr>
+                </a:solidFill>
+                <a:latin typeface="+mn-lt"/>
+                <a:ea typeface="+mn-ea"/>
+                <a:cs typeface="+mn-cs"/>
+              </a:defRPr>
+            </a:lvl1pPr>
+            <a:lvl2pPr marL="457200" indent="0" algn="ctr" defTabSz="457200" rtl="0" eaLnBrk="1" latinLnBrk="0" hangingPunct="1">
+              <a:spcBef>
+                <a:spcPct val="20000"/>
+              </a:spcBef>
+              <a:buFont typeface="Arial"/>
+              <a:buNone/>
+              <a:defRPr sz="2800" kern="1200">
+                <a:solidFill>
+                  <a:schemeClr val="tx1">
+                    <a:tint val="75000"/>
+                  </a:schemeClr>
+                </a:solidFill>
+                <a:latin typeface="+mn-lt"/>
+                <a:ea typeface="+mn-ea"/>
+                <a:cs typeface="+mn-cs"/>
+              </a:defRPr>
+            </a:lvl2pPr>
+            <a:lvl3pPr marL="914400" indent="0" algn="ctr" defTabSz="457200" rtl="0" eaLnBrk="1" latinLnBrk="0" hangingPunct="1">
+              <a:spcBef>
+                <a:spcPct val="20000"/>
+              </a:spcBef>
+              <a:buFont typeface="Arial"/>
+              <a:buNone/>
+              <a:defRPr sz="2400" kern="1200">
+                <a:solidFill>
+                  <a:schemeClr val="tx1">
+                    <a:tint val="75000"/>
+                  </a:schemeClr>
+                </a:solidFill>
+                <a:latin typeface="+mn-lt"/>
+                <a:ea typeface="+mn-ea"/>
+                <a:cs typeface="+mn-cs"/>
+              </a:defRPr>
+            </a:lvl3pPr>
+            <a:lvl4pPr marL="1371600" indent="0" algn="ctr" defTabSz="457200" rtl="0" eaLnBrk="1" latinLnBrk="0" hangingPunct="1">
+              <a:spcBef>
+                <a:spcPct val="20000"/>
+              </a:spcBef>
+              <a:buFont typeface="Arial"/>
+              <a:buNone/>
+              <a:defRPr sz="2000" kern="1200">
+                <a:solidFill>
+                  <a:schemeClr val="tx1">
+                    <a:tint val="75000"/>
+                  </a:schemeClr>
+                </a:solidFill>
+                <a:latin typeface="+mn-lt"/>
+                <a:ea typeface="+mn-ea"/>
+                <a:cs typeface="+mn-cs"/>
+              </a:defRPr>
+            </a:lvl4pPr>
+            <a:lvl5pPr marL="1828800" indent="0" algn="ctr" defTabSz="457200" rtl="0" eaLnBrk="1" latinLnBrk="0" hangingPunct="1">
+              <a:spcBef>
+                <a:spcPct val="20000"/>
+              </a:spcBef>
+              <a:buFont typeface="Arial"/>
+              <a:buNone/>
+              <a:defRPr sz="2000" kern="1200">
+                <a:solidFill>
+                  <a:schemeClr val="tx1">
+                    <a:tint val="75000"/>
+                  </a:schemeClr>
+                </a:solidFill>
+                <a:latin typeface="+mn-lt"/>
+                <a:ea typeface="+mn-ea"/>
+                <a:cs typeface="+mn-cs"/>
+              </a:defRPr>
+            </a:lvl5pPr>
+            <a:lvl6pPr marL="2286000" indent="0" algn="ctr" defTabSz="457200" rtl="0" eaLnBrk="1" latinLnBrk="0" hangingPunct="1">
+              <a:spcBef>
+                <a:spcPct val="20000"/>
+              </a:spcBef>
+              <a:buFont typeface="Arial"/>
+              <a:buNone/>
+              <a:defRPr sz="2000" kern="1200">
+                <a:solidFill>
+                  <a:schemeClr val="tx1">
+                    <a:tint val="75000"/>
+                  </a:schemeClr>
+                </a:solidFill>
+                <a:latin typeface="+mn-lt"/>
+                <a:ea typeface="+mn-ea"/>
+                <a:cs typeface="+mn-cs"/>
+              </a:defRPr>
+            </a:lvl6pPr>
+            <a:lvl7pPr marL="2743200" indent="0" algn="ctr" defTabSz="457200" rtl="0" eaLnBrk="1" latinLnBrk="0" hangingPunct="1">
+              <a:spcBef>
+                <a:spcPct val="20000"/>
+              </a:spcBef>
+              <a:buFont typeface="Arial"/>
+              <a:buNone/>
+              <a:defRPr sz="2000" kern="1200">
+                <a:solidFill>
+                  <a:schemeClr val="tx1">
+                    <a:tint val="75000"/>
+                  </a:schemeClr>
+                </a:solidFill>
+                <a:latin typeface="+mn-lt"/>
+                <a:ea typeface="+mn-ea"/>
+                <a:cs typeface="+mn-cs"/>
+              </a:defRPr>
+            </a:lvl7pPr>
+            <a:lvl8pPr marL="3200400" indent="0" algn="ctr" defTabSz="457200" rtl="0" eaLnBrk="1" latinLnBrk="0" hangingPunct="1">
+              <a:spcBef>
+                <a:spcPct val="20000"/>
+              </a:spcBef>
+              <a:buFont typeface="Arial"/>
+              <a:buNone/>
+              <a:defRPr sz="2000" kern="1200">
+                <a:solidFill>
+                  <a:schemeClr val="tx1">
+                    <a:tint val="75000"/>
+                  </a:schemeClr>
+                </a:solidFill>
+                <a:latin typeface="+mn-lt"/>
+                <a:ea typeface="+mn-ea"/>
+                <a:cs typeface="+mn-cs"/>
+              </a:defRPr>
+            </a:lvl8pPr>
+            <a:lvl9pPr marL="3657600" indent="0" algn="ctr" defTabSz="457200" rtl="0" eaLnBrk="1" latinLnBrk="0" hangingPunct="1">
+              <a:spcBef>
+                <a:spcPct val="20000"/>
+              </a:spcBef>
+              <a:buFont typeface="Arial"/>
+              <a:buNone/>
+              <a:defRPr sz="2000" kern="1200">
+                <a:solidFill>
+                  <a:schemeClr val="tx1">
+                    <a:tint val="75000"/>
+                  </a:schemeClr>
+                </a:solidFill>
+                <a:latin typeface="+mn-lt"/>
+                <a:ea typeface="+mn-ea"/>
+                <a:cs typeface="+mn-cs"/>
+              </a:defRPr>
+            </a:lvl9pPr>
+          </a:lstStyle>
+          <a:p>
+            <a:pPr algn="l">
+              <a:lnSpc>
+                <a:spcPts val="3588"/>
+              </a:lnSpc>
+              <a:spcBef>
+                <a:spcPts val="0"/>
+              </a:spcBef>
+            </a:pPr>
+            <a:r>
+              <a:rPr lang="en-GB" sz="1957" b="1" dirty="0">
+                <a:solidFill>
+                  <a:srgbClr val="0F1012"/>
+                </a:solidFill>
+                <a:latin typeface="Open Sans SemiBold" panose="020B0606030504020204" pitchFamily="34" charset="0"/>
+                <a:ea typeface="Open Sans SemiBold" panose="020B0606030504020204" pitchFamily="34" charset="0"/>
+                <a:cs typeface="Open Sans SemiBold" panose="020B0606030504020204" pitchFamily="34" charset="0"/>
+              </a:rPr>
+              <a:t>Research compendiums</a:t>
+            </a:r>
+          </a:p>
+        </p:txBody>
+      </p:sp>
+      <p:sp>
+        <p:nvSpPr>
+          <p:cNvPr id="15" name="Subtitel 2">
+            <a:extLst>
+              <a:ext uri="{FF2B5EF4-FFF2-40B4-BE49-F238E27FC236}">
+                <a16:creationId xmlns:a16="http://schemas.microsoft.com/office/drawing/2014/main" id="{971DF3E1-5087-CD12-DC9F-2F9B7F82525F}"/>
+              </a:ext>
+            </a:extLst>
+          </p:cNvPr>
+          <p:cNvSpPr txBox="1">
+            <a:spLocks/>
+          </p:cNvSpPr>
+          <p:nvPr/>
+        </p:nvSpPr>
+        <p:spPr>
+          <a:xfrm>
+            <a:off x="22917431" y="12656036"/>
+            <a:ext cx="8786936" cy="815031"/>
+          </a:xfrm>
+          <a:prstGeom prst="rect">
+            <a:avLst/>
+          </a:prstGeom>
+          <a:noFill/>
+        </p:spPr>
+        <p:txBody>
+          <a:bodyPr vert="horz" wrap="square" lIns="0" tIns="0" rIns="0" bIns="0" rtlCol="0">
+            <a:spAutoFit/>
+          </a:bodyPr>
+          <a:lstStyle>
+            <a:lvl1pPr marL="0" indent="0" algn="ctr" defTabSz="457200" rtl="0" eaLnBrk="1" latinLnBrk="0" hangingPunct="1">
+              <a:spcBef>
+                <a:spcPct val="20000"/>
+              </a:spcBef>
+              <a:buFont typeface="Arial"/>
+              <a:buNone/>
+              <a:defRPr sz="3200" kern="1200">
+                <a:solidFill>
+                  <a:schemeClr val="tx1">
+                    <a:tint val="75000"/>
+                  </a:schemeClr>
+                </a:solidFill>
+                <a:latin typeface="+mn-lt"/>
+                <a:ea typeface="+mn-ea"/>
+                <a:cs typeface="+mn-cs"/>
+              </a:defRPr>
+            </a:lvl1pPr>
+            <a:lvl2pPr marL="457200" indent="0" algn="ctr" defTabSz="457200" rtl="0" eaLnBrk="1" latinLnBrk="0" hangingPunct="1">
+              <a:spcBef>
+                <a:spcPct val="20000"/>
+              </a:spcBef>
+              <a:buFont typeface="Arial"/>
+              <a:buNone/>
+              <a:defRPr sz="2800" kern="1200">
+                <a:solidFill>
+                  <a:schemeClr val="tx1">
+                    <a:tint val="75000"/>
+                  </a:schemeClr>
+                </a:solidFill>
+                <a:latin typeface="+mn-lt"/>
+                <a:ea typeface="+mn-ea"/>
+                <a:cs typeface="+mn-cs"/>
+              </a:defRPr>
+            </a:lvl2pPr>
+            <a:lvl3pPr marL="914400" indent="0" algn="ctr" defTabSz="457200" rtl="0" eaLnBrk="1" latinLnBrk="0" hangingPunct="1">
+              <a:spcBef>
+                <a:spcPct val="20000"/>
+              </a:spcBef>
+              <a:buFont typeface="Arial"/>
+              <a:buNone/>
+              <a:defRPr sz="2400" kern="1200">
+                <a:solidFill>
+                  <a:schemeClr val="tx1">
+                    <a:tint val="75000"/>
+                  </a:schemeClr>
+                </a:solidFill>
+                <a:latin typeface="+mn-lt"/>
+                <a:ea typeface="+mn-ea"/>
+                <a:cs typeface="+mn-cs"/>
+              </a:defRPr>
+            </a:lvl3pPr>
+            <a:lvl4pPr marL="1371600" indent="0" algn="ctr" defTabSz="457200" rtl="0" eaLnBrk="1" latinLnBrk="0" hangingPunct="1">
+              <a:spcBef>
+                <a:spcPct val="20000"/>
+              </a:spcBef>
+              <a:buFont typeface="Arial"/>
+              <a:buNone/>
+              <a:defRPr sz="2000" kern="1200">
+                <a:solidFill>
+                  <a:schemeClr val="tx1">
+                    <a:tint val="75000"/>
+                  </a:schemeClr>
+                </a:solidFill>
+                <a:latin typeface="+mn-lt"/>
+                <a:ea typeface="+mn-ea"/>
+                <a:cs typeface="+mn-cs"/>
+              </a:defRPr>
+            </a:lvl4pPr>
+            <a:lvl5pPr marL="1828800" indent="0" algn="ctr" defTabSz="457200" rtl="0" eaLnBrk="1" latinLnBrk="0" hangingPunct="1">
+              <a:spcBef>
+                <a:spcPct val="20000"/>
+              </a:spcBef>
+              <a:buFont typeface="Arial"/>
+              <a:buNone/>
+              <a:defRPr sz="2000" kern="1200">
+                <a:solidFill>
+                  <a:schemeClr val="tx1">
+                    <a:tint val="75000"/>
+                  </a:schemeClr>
+                </a:solidFill>
+                <a:latin typeface="+mn-lt"/>
+                <a:ea typeface="+mn-ea"/>
+                <a:cs typeface="+mn-cs"/>
+              </a:defRPr>
+            </a:lvl5pPr>
+            <a:lvl6pPr marL="2286000" indent="0" algn="ctr" defTabSz="457200" rtl="0" eaLnBrk="1" latinLnBrk="0" hangingPunct="1">
+              <a:spcBef>
+                <a:spcPct val="20000"/>
+              </a:spcBef>
+              <a:buFont typeface="Arial"/>
+              <a:buNone/>
+              <a:defRPr sz="2000" kern="1200">
+                <a:solidFill>
+                  <a:schemeClr val="tx1">
+                    <a:tint val="75000"/>
+                  </a:schemeClr>
+                </a:solidFill>
+                <a:latin typeface="+mn-lt"/>
+                <a:ea typeface="+mn-ea"/>
+                <a:cs typeface="+mn-cs"/>
+              </a:defRPr>
+            </a:lvl6pPr>
+            <a:lvl7pPr marL="2743200" indent="0" algn="ctr" defTabSz="457200" rtl="0" eaLnBrk="1" latinLnBrk="0" hangingPunct="1">
+              <a:spcBef>
+                <a:spcPct val="20000"/>
+              </a:spcBef>
+              <a:buFont typeface="Arial"/>
+              <a:buNone/>
+              <a:defRPr sz="2000" kern="1200">
+                <a:solidFill>
+                  <a:schemeClr val="tx1">
+                    <a:tint val="75000"/>
+                  </a:schemeClr>
+                </a:solidFill>
+                <a:latin typeface="+mn-lt"/>
+                <a:ea typeface="+mn-ea"/>
+                <a:cs typeface="+mn-cs"/>
+              </a:defRPr>
+            </a:lvl7pPr>
+            <a:lvl8pPr marL="3200400" indent="0" algn="ctr" defTabSz="457200" rtl="0" eaLnBrk="1" latinLnBrk="0" hangingPunct="1">
+              <a:spcBef>
+                <a:spcPct val="20000"/>
+              </a:spcBef>
+              <a:buFont typeface="Arial"/>
+              <a:buNone/>
+              <a:defRPr sz="2000" kern="1200">
+                <a:solidFill>
+                  <a:schemeClr val="tx1">
+                    <a:tint val="75000"/>
+                  </a:schemeClr>
+                </a:solidFill>
+                <a:latin typeface="+mn-lt"/>
+                <a:ea typeface="+mn-ea"/>
+                <a:cs typeface="+mn-cs"/>
+              </a:defRPr>
+            </a:lvl8pPr>
+            <a:lvl9pPr marL="3657600" indent="0" algn="ctr" defTabSz="457200" rtl="0" eaLnBrk="1" latinLnBrk="0" hangingPunct="1">
+              <a:spcBef>
+                <a:spcPct val="20000"/>
+              </a:spcBef>
+              <a:buFont typeface="Arial"/>
+              <a:buNone/>
+              <a:defRPr sz="2000" kern="1200">
+                <a:solidFill>
+                  <a:schemeClr val="tx1">
+                    <a:tint val="75000"/>
+                  </a:schemeClr>
+                </a:solidFill>
+                <a:latin typeface="+mn-lt"/>
+                <a:ea typeface="+mn-ea"/>
+                <a:cs typeface="+mn-cs"/>
+              </a:defRPr>
+            </a:lvl9pPr>
+          </a:lstStyle>
+          <a:p>
+            <a:pPr algn="l">
+              <a:lnSpc>
+                <a:spcPts val="3588"/>
+              </a:lnSpc>
+              <a:spcBef>
+                <a:spcPts val="0"/>
+              </a:spcBef>
+            </a:pPr>
+            <a:r>
+              <a:rPr lang="en-GB" sz="2392" b="1" dirty="0">
+                <a:solidFill>
+                  <a:srgbClr val="C10033"/>
+                </a:solidFill>
+                <a:latin typeface="Open Sans" panose="020B0606030504020204" pitchFamily="34" charset="0"/>
+                <a:ea typeface="Open Sans" panose="020B0606030504020204" pitchFamily="34" charset="0"/>
+                <a:cs typeface="Open Sans" panose="020B0606030504020204" pitchFamily="34" charset="0"/>
+              </a:rPr>
+              <a:t>Figure 2</a:t>
+            </a:r>
+          </a:p>
+          <a:p>
+            <a:pPr algn="l">
+              <a:lnSpc>
+                <a:spcPts val="3044"/>
+              </a:lnSpc>
+              <a:spcBef>
+                <a:spcPts val="0"/>
+              </a:spcBef>
+            </a:pPr>
+            <a:r>
+              <a:rPr lang="en-GB" sz="1957" b="1" dirty="0">
+                <a:solidFill>
+                  <a:srgbClr val="0F1012"/>
+                </a:solidFill>
+                <a:latin typeface="Open Sans SemiBold" panose="020B0606030504020204" pitchFamily="34" charset="0"/>
+                <a:ea typeface="Open Sans SemiBold" panose="020B0606030504020204" pitchFamily="34" charset="0"/>
+                <a:cs typeface="Open Sans SemiBold" panose="020B0606030504020204" pitchFamily="34" charset="0"/>
+              </a:rPr>
+              <a:t>Resources </a:t>
+            </a:r>
+            <a:r>
+              <a:rPr lang="en-GB" sz="1957" b="1" i="1" dirty="0">
+                <a:solidFill>
+                  <a:srgbClr val="0F1012"/>
+                </a:solidFill>
+                <a:latin typeface="Open Sans SemiBold" panose="020B0606030504020204" pitchFamily="34" charset="0"/>
+                <a:ea typeface="Open Sans SemiBold" panose="020B0606030504020204" pitchFamily="34" charset="0"/>
+                <a:cs typeface="Open Sans SemiBold" panose="020B0606030504020204" pitchFamily="34" charset="0"/>
+              </a:rPr>
+              <a:t>not</a:t>
+            </a:r>
+            <a:r>
+              <a:rPr lang="en-GB" sz="1957" b="1" dirty="0">
+                <a:solidFill>
+                  <a:srgbClr val="0F1012"/>
+                </a:solidFill>
+                <a:latin typeface="Open Sans SemiBold" panose="020B0606030504020204" pitchFamily="34" charset="0"/>
+                <a:ea typeface="Open Sans SemiBold" panose="020B0606030504020204" pitchFamily="34" charset="0"/>
+                <a:cs typeface="Open Sans SemiBold" panose="020B0606030504020204" pitchFamily="34" charset="0"/>
+              </a:rPr>
+              <a:t> yet utilized in our course. Should they?</a:t>
+            </a:r>
+          </a:p>
+        </p:txBody>
+      </p:sp>
+      <p:pic>
+        <p:nvPicPr>
+          <p:cNvPr id="21" name="Picture 20">
+            <a:extLst>
+              <a:ext uri="{FF2B5EF4-FFF2-40B4-BE49-F238E27FC236}">
+                <a16:creationId xmlns:a16="http://schemas.microsoft.com/office/drawing/2014/main" id="{54D61A8F-2CA6-A5F4-B6F3-EC01F66583B4}"/>
+              </a:ext>
+            </a:extLst>
+          </p:cNvPr>
+          <p:cNvPicPr>
+            <a:picLocks noChangeAspect="1"/>
+          </p:cNvPicPr>
+          <p:nvPr/>
+        </p:nvPicPr>
+        <p:blipFill>
+          <a:blip r:embed="rId12"/>
+          <a:stretch>
+            <a:fillRect/>
+          </a:stretch>
+        </p:blipFill>
+        <p:spPr>
+          <a:xfrm>
+            <a:off x="28334685" y="14674191"/>
+            <a:ext cx="2320955" cy="748695"/>
+          </a:xfrm>
+          <a:prstGeom prst="rect">
+            <a:avLst/>
+          </a:prstGeom>
+        </p:spPr>
+      </p:pic>
+      <p:pic>
+        <p:nvPicPr>
+          <p:cNvPr id="26" name="Picture 25">
+            <a:extLst>
+              <a:ext uri="{FF2B5EF4-FFF2-40B4-BE49-F238E27FC236}">
+                <a16:creationId xmlns:a16="http://schemas.microsoft.com/office/drawing/2014/main" id="{0873B267-8CD4-0F03-0F19-6AF4739C1DCE}"/>
+              </a:ext>
+            </a:extLst>
+          </p:cNvPr>
+          <p:cNvPicPr>
+            <a:picLocks noChangeAspect="1"/>
+          </p:cNvPicPr>
+          <p:nvPr/>
+        </p:nvPicPr>
+        <p:blipFill>
+          <a:blip r:embed="rId13"/>
+          <a:stretch>
+            <a:fillRect/>
+          </a:stretch>
+        </p:blipFill>
+        <p:spPr>
+          <a:xfrm>
+            <a:off x="10680969" y="15698523"/>
+            <a:ext cx="1714015" cy="1978258"/>
+          </a:xfrm>
+          <a:prstGeom prst="rect">
+            <a:avLst/>
+          </a:prstGeom>
+        </p:spPr>
+      </p:pic>
+      <p:pic>
+        <p:nvPicPr>
+          <p:cNvPr id="1028" name="Picture 4" descr="Zenodo - Wikipedia">
+            <a:extLst>
+              <a:ext uri="{FF2B5EF4-FFF2-40B4-BE49-F238E27FC236}">
+                <a16:creationId xmlns:a16="http://schemas.microsoft.com/office/drawing/2014/main" id="{70898827-746B-B03C-1E03-AE8AF6649C01}"/>
+              </a:ext>
+            </a:extLst>
+          </p:cNvPr>
+          <p:cNvPicPr>
+            <a:picLocks noChangeAspect="1" noChangeArrowheads="1"/>
+          </p:cNvPicPr>
+          <p:nvPr/>
+        </p:nvPicPr>
+        <p:blipFill>
+          <a:blip r:embed="rId14">
+            <a:extLst>
+              <a:ext uri="{28A0092B-C50C-407E-A947-70E740481C1C}">
+                <a14:useLocalDpi xmlns:a14="http://schemas.microsoft.com/office/drawing/2010/main" val="0"/>
+              </a:ext>
+            </a:extLst>
+          </a:blip>
+          <a:srcRect/>
+          <a:stretch>
+            <a:fillRect/>
+          </a:stretch>
+        </p:blipFill>
+        <p:spPr bwMode="auto">
+          <a:xfrm>
+            <a:off x="17179280" y="16863786"/>
+            <a:ext cx="2815578" cy="1021782"/>
+          </a:xfrm>
+          <a:prstGeom prst="rect">
+            <a:avLst/>
+          </a:prstGeom>
+          <a:noFill/>
+          <a:extLst>
+            <a:ext uri="{909E8E84-426E-40DD-AFC4-6F175D3DCCD1}">
+              <a14:hiddenFill xmlns:a14="http://schemas.microsoft.com/office/drawing/2010/main">
+                <a:solidFill>
+                  <a:srgbClr val="FFFFFF"/>
+                </a:solidFill>
+              </a14:hiddenFill>
+            </a:ext>
+          </a:extLst>
+        </p:spPr>
+      </p:pic>
+      <p:pic>
+        <p:nvPicPr>
+          <p:cNvPr id="1030" name="Picture 6" descr="The Carpentries">
+            <a:extLst>
+              <a:ext uri="{FF2B5EF4-FFF2-40B4-BE49-F238E27FC236}">
+                <a16:creationId xmlns:a16="http://schemas.microsoft.com/office/drawing/2014/main" id="{CD9DC247-3C62-0B17-2490-AF5763DFB669}"/>
+              </a:ext>
+            </a:extLst>
+          </p:cNvPr>
+          <p:cNvPicPr>
+            <a:picLocks noChangeAspect="1" noChangeArrowheads="1"/>
+          </p:cNvPicPr>
+          <p:nvPr/>
+        </p:nvPicPr>
+        <p:blipFill rotWithShape="1">
+          <a:blip r:embed="rId15">
+            <a:extLst>
+              <a:ext uri="{28A0092B-C50C-407E-A947-70E740481C1C}">
+                <a14:useLocalDpi xmlns:a14="http://schemas.microsoft.com/office/drawing/2010/main" val="0"/>
+              </a:ext>
+            </a:extLst>
+          </a:blip>
+          <a:srcRect t="20737" b="20738"/>
+          <a:stretch/>
+        </p:blipFill>
+        <p:spPr bwMode="auto">
+          <a:xfrm>
+            <a:off x="28412970" y="13767063"/>
+            <a:ext cx="2432960" cy="748695"/>
+          </a:xfrm>
+          <a:prstGeom prst="rect">
+            <a:avLst/>
+          </a:prstGeom>
+          <a:noFill/>
+          <a:extLst>
+            <a:ext uri="{909E8E84-426E-40DD-AFC4-6F175D3DCCD1}">
+              <a14:hiddenFill xmlns:a14="http://schemas.microsoft.com/office/drawing/2010/main">
+                <a:solidFill>
+                  <a:srgbClr val="FFFFFF"/>
+                </a:solidFill>
+              </a14:hiddenFill>
+            </a:ext>
+          </a:extLst>
+        </p:spPr>
+      </p:pic>
+      <p:pic>
+        <p:nvPicPr>
+          <p:cNvPr id="28" name="Picture 27">
+            <a:extLst>
+              <a:ext uri="{FF2B5EF4-FFF2-40B4-BE49-F238E27FC236}">
+                <a16:creationId xmlns:a16="http://schemas.microsoft.com/office/drawing/2014/main" id="{5B1CFBB2-3EED-7553-D630-F2BECE48654E}"/>
+              </a:ext>
+            </a:extLst>
+          </p:cNvPr>
+          <p:cNvPicPr>
+            <a:picLocks noChangeAspect="1"/>
+          </p:cNvPicPr>
+          <p:nvPr/>
+        </p:nvPicPr>
+        <p:blipFill>
+          <a:blip r:embed="rId16"/>
+          <a:stretch>
+            <a:fillRect/>
+          </a:stretch>
+        </p:blipFill>
+        <p:spPr>
+          <a:xfrm>
+            <a:off x="17179280" y="13723656"/>
+            <a:ext cx="2815578" cy="2878147"/>
+          </a:xfrm>
+          <a:prstGeom prst="rect">
+            <a:avLst/>
+          </a:prstGeom>
+        </p:spPr>
+      </p:pic>
+      <p:pic>
+        <p:nvPicPr>
+          <p:cNvPr id="30" name="Picture 29">
+            <a:extLst>
+              <a:ext uri="{FF2B5EF4-FFF2-40B4-BE49-F238E27FC236}">
+                <a16:creationId xmlns:a16="http://schemas.microsoft.com/office/drawing/2014/main" id="{68D73627-779A-FB31-08F5-8CB2D76D09ED}"/>
+              </a:ext>
+            </a:extLst>
+          </p:cNvPr>
+          <p:cNvPicPr>
+            <a:picLocks noChangeAspect="1"/>
+          </p:cNvPicPr>
+          <p:nvPr/>
+        </p:nvPicPr>
+        <p:blipFill>
+          <a:blip r:embed="rId17"/>
+          <a:stretch>
+            <a:fillRect/>
+          </a:stretch>
+        </p:blipFill>
+        <p:spPr>
+          <a:xfrm>
+            <a:off x="13591744" y="15581312"/>
+            <a:ext cx="4091592" cy="2045796"/>
+          </a:xfrm>
+          <a:prstGeom prst="rect">
+            <a:avLst/>
+          </a:prstGeom>
+        </p:spPr>
+      </p:pic>
+      <p:sp>
+        <p:nvSpPr>
+          <p:cNvPr id="31" name="Subtitel 2">
+            <a:extLst>
+              <a:ext uri="{FF2B5EF4-FFF2-40B4-BE49-F238E27FC236}">
+                <a16:creationId xmlns:a16="http://schemas.microsoft.com/office/drawing/2014/main" id="{06BEB7B0-2FE6-E7EF-AA65-5A77E6FD74E9}"/>
+              </a:ext>
+            </a:extLst>
+          </p:cNvPr>
+          <p:cNvSpPr txBox="1">
+            <a:spLocks/>
+          </p:cNvSpPr>
+          <p:nvPr/>
+        </p:nvSpPr>
+        <p:spPr>
+          <a:xfrm>
+            <a:off x="8767717" y="13701945"/>
+            <a:ext cx="3404703" cy="411075"/>
+          </a:xfrm>
+          <a:prstGeom prst="rect">
+            <a:avLst/>
+          </a:prstGeom>
+          <a:noFill/>
+        </p:spPr>
+        <p:txBody>
+          <a:bodyPr vert="horz" wrap="square" lIns="0" tIns="0" rIns="0" bIns="0" rtlCol="0">
+            <a:spAutoFit/>
+          </a:bodyPr>
+          <a:lstStyle>
+            <a:lvl1pPr marL="0" indent="0" algn="ctr" defTabSz="457200" rtl="0" eaLnBrk="1" latinLnBrk="0" hangingPunct="1">
+              <a:spcBef>
+                <a:spcPct val="20000"/>
+              </a:spcBef>
+              <a:buFont typeface="Arial"/>
+              <a:buNone/>
+              <a:defRPr sz="3200" kern="1200">
+                <a:solidFill>
+                  <a:schemeClr val="tx1">
+                    <a:tint val="75000"/>
+                  </a:schemeClr>
+                </a:solidFill>
+                <a:latin typeface="+mn-lt"/>
+                <a:ea typeface="+mn-ea"/>
+                <a:cs typeface="+mn-cs"/>
+              </a:defRPr>
+            </a:lvl1pPr>
+            <a:lvl2pPr marL="457200" indent="0" algn="ctr" defTabSz="457200" rtl="0" eaLnBrk="1" latinLnBrk="0" hangingPunct="1">
+              <a:spcBef>
+                <a:spcPct val="20000"/>
+              </a:spcBef>
+              <a:buFont typeface="Arial"/>
+              <a:buNone/>
+              <a:defRPr sz="2800" kern="1200">
+                <a:solidFill>
+                  <a:schemeClr val="tx1">
+                    <a:tint val="75000"/>
+                  </a:schemeClr>
+                </a:solidFill>
+                <a:latin typeface="+mn-lt"/>
+                <a:ea typeface="+mn-ea"/>
+                <a:cs typeface="+mn-cs"/>
+              </a:defRPr>
+            </a:lvl2pPr>
+            <a:lvl3pPr marL="914400" indent="0" algn="ctr" defTabSz="457200" rtl="0" eaLnBrk="1" latinLnBrk="0" hangingPunct="1">
+              <a:spcBef>
+                <a:spcPct val="20000"/>
+              </a:spcBef>
+              <a:buFont typeface="Arial"/>
+              <a:buNone/>
+              <a:defRPr sz="2400" kern="1200">
+                <a:solidFill>
+                  <a:schemeClr val="tx1">
+                    <a:tint val="75000"/>
+                  </a:schemeClr>
+                </a:solidFill>
+                <a:latin typeface="+mn-lt"/>
+                <a:ea typeface="+mn-ea"/>
+                <a:cs typeface="+mn-cs"/>
+              </a:defRPr>
+            </a:lvl3pPr>
+            <a:lvl4pPr marL="1371600" indent="0" algn="ctr" defTabSz="457200" rtl="0" eaLnBrk="1" latinLnBrk="0" hangingPunct="1">
+              <a:spcBef>
+                <a:spcPct val="20000"/>
+              </a:spcBef>
+              <a:buFont typeface="Arial"/>
+              <a:buNone/>
+              <a:defRPr sz="2000" kern="1200">
+                <a:solidFill>
+                  <a:schemeClr val="tx1">
+                    <a:tint val="75000"/>
+                  </a:schemeClr>
+                </a:solidFill>
+                <a:latin typeface="+mn-lt"/>
+                <a:ea typeface="+mn-ea"/>
+                <a:cs typeface="+mn-cs"/>
+              </a:defRPr>
+            </a:lvl4pPr>
+            <a:lvl5pPr marL="1828800" indent="0" algn="ctr" defTabSz="457200" rtl="0" eaLnBrk="1" latinLnBrk="0" hangingPunct="1">
+              <a:spcBef>
+                <a:spcPct val="20000"/>
+              </a:spcBef>
+              <a:buFont typeface="Arial"/>
+              <a:buNone/>
+              <a:defRPr sz="2000" kern="1200">
+                <a:solidFill>
+                  <a:schemeClr val="tx1">
+                    <a:tint val="75000"/>
+                  </a:schemeClr>
+                </a:solidFill>
+                <a:latin typeface="+mn-lt"/>
+                <a:ea typeface="+mn-ea"/>
+                <a:cs typeface="+mn-cs"/>
+              </a:defRPr>
+            </a:lvl5pPr>
+            <a:lvl6pPr marL="2286000" indent="0" algn="ctr" defTabSz="457200" rtl="0" eaLnBrk="1" latinLnBrk="0" hangingPunct="1">
+              <a:spcBef>
+                <a:spcPct val="20000"/>
+              </a:spcBef>
+              <a:buFont typeface="Arial"/>
+              <a:buNone/>
+              <a:defRPr sz="2000" kern="1200">
+                <a:solidFill>
+                  <a:schemeClr val="tx1">
+                    <a:tint val="75000"/>
+                  </a:schemeClr>
+                </a:solidFill>
+                <a:latin typeface="+mn-lt"/>
+                <a:ea typeface="+mn-ea"/>
+                <a:cs typeface="+mn-cs"/>
+              </a:defRPr>
+            </a:lvl6pPr>
+            <a:lvl7pPr marL="2743200" indent="0" algn="ctr" defTabSz="457200" rtl="0" eaLnBrk="1" latinLnBrk="0" hangingPunct="1">
+              <a:spcBef>
+                <a:spcPct val="20000"/>
+              </a:spcBef>
+              <a:buFont typeface="Arial"/>
+              <a:buNone/>
+              <a:defRPr sz="2000" kern="1200">
+                <a:solidFill>
+                  <a:schemeClr val="tx1">
+                    <a:tint val="75000"/>
+                  </a:schemeClr>
+                </a:solidFill>
+                <a:latin typeface="+mn-lt"/>
+                <a:ea typeface="+mn-ea"/>
+                <a:cs typeface="+mn-cs"/>
+              </a:defRPr>
+            </a:lvl7pPr>
+            <a:lvl8pPr marL="3200400" indent="0" algn="ctr" defTabSz="457200" rtl="0" eaLnBrk="1" latinLnBrk="0" hangingPunct="1">
+              <a:spcBef>
+                <a:spcPct val="20000"/>
+              </a:spcBef>
+              <a:buFont typeface="Arial"/>
+              <a:buNone/>
+              <a:defRPr sz="2000" kern="1200">
+                <a:solidFill>
+                  <a:schemeClr val="tx1">
+                    <a:tint val="75000"/>
+                  </a:schemeClr>
+                </a:solidFill>
+                <a:latin typeface="+mn-lt"/>
+                <a:ea typeface="+mn-ea"/>
+                <a:cs typeface="+mn-cs"/>
+              </a:defRPr>
+            </a:lvl8pPr>
+            <a:lvl9pPr marL="3657600" indent="0" algn="ctr" defTabSz="457200" rtl="0" eaLnBrk="1" latinLnBrk="0" hangingPunct="1">
+              <a:spcBef>
+                <a:spcPct val="20000"/>
+              </a:spcBef>
+              <a:buFont typeface="Arial"/>
+              <a:buNone/>
+              <a:defRPr sz="2000" kern="1200">
+                <a:solidFill>
+                  <a:schemeClr val="tx1">
+                    <a:tint val="75000"/>
+                  </a:schemeClr>
+                </a:solidFill>
+                <a:latin typeface="+mn-lt"/>
+                <a:ea typeface="+mn-ea"/>
+                <a:cs typeface="+mn-cs"/>
+              </a:defRPr>
+            </a:lvl9pPr>
+          </a:lstStyle>
+          <a:p>
+            <a:pPr algn="l">
+              <a:lnSpc>
+                <a:spcPts val="3588"/>
+              </a:lnSpc>
+              <a:spcBef>
+                <a:spcPts val="0"/>
+              </a:spcBef>
+            </a:pPr>
+            <a:r>
+              <a:rPr lang="en-GB" sz="1957" b="1" dirty="0">
+                <a:solidFill>
+                  <a:srgbClr val="0F1012"/>
+                </a:solidFill>
+                <a:latin typeface="Open Sans SemiBold" panose="020B0606030504020204" pitchFamily="34" charset="0"/>
+                <a:ea typeface="Open Sans SemiBold" panose="020B0606030504020204" pitchFamily="34" charset="0"/>
+                <a:cs typeface="Open Sans SemiBold" panose="020B0606030504020204" pitchFamily="34" charset="0"/>
+              </a:rPr>
+              <a:t>Licensing</a:t>
+            </a:r>
+          </a:p>
+        </p:txBody>
+      </p:sp>
+      <p:pic>
+        <p:nvPicPr>
+          <p:cNvPr id="33" name="Picture 32">
+            <a:extLst>
+              <a:ext uri="{FF2B5EF4-FFF2-40B4-BE49-F238E27FC236}">
+                <a16:creationId xmlns:a16="http://schemas.microsoft.com/office/drawing/2014/main" id="{1A702B51-9080-3ACB-D0ED-2E97B45EEC26}"/>
+              </a:ext>
+            </a:extLst>
+          </p:cNvPr>
+          <p:cNvPicPr>
+            <a:picLocks noChangeAspect="1"/>
+          </p:cNvPicPr>
+          <p:nvPr/>
+        </p:nvPicPr>
+        <p:blipFill>
+          <a:blip r:embed="rId18"/>
+          <a:stretch>
+            <a:fillRect/>
+          </a:stretch>
+        </p:blipFill>
+        <p:spPr>
+          <a:xfrm>
+            <a:off x="8732123" y="16391214"/>
+            <a:ext cx="1314784" cy="1285567"/>
+          </a:xfrm>
+          <a:prstGeom prst="rect">
+            <a:avLst/>
+          </a:prstGeom>
+        </p:spPr>
+      </p:pic>
+      <p:pic>
+        <p:nvPicPr>
+          <p:cNvPr id="6" name="Picture 5">
+            <a:extLst>
+              <a:ext uri="{FF2B5EF4-FFF2-40B4-BE49-F238E27FC236}">
+                <a16:creationId xmlns:a16="http://schemas.microsoft.com/office/drawing/2014/main" id="{38C9F50B-D269-E5E0-2076-3521BAAAA80C}"/>
+              </a:ext>
+            </a:extLst>
+          </p:cNvPr>
+          <p:cNvPicPr>
+            <a:picLocks noChangeAspect="1"/>
+          </p:cNvPicPr>
+          <p:nvPr/>
+        </p:nvPicPr>
+        <p:blipFill>
+          <a:blip r:embed="rId19"/>
+          <a:stretch>
+            <a:fillRect/>
+          </a:stretch>
+        </p:blipFill>
+        <p:spPr>
+          <a:xfrm>
+            <a:off x="8488497" y="13640408"/>
+            <a:ext cx="1940904" cy="1940904"/>
+          </a:xfrm>
+          <a:prstGeom prst="rect">
+            <a:avLst/>
+          </a:prstGeom>
+        </p:spPr>
+      </p:pic>
+      <p:sp>
+        <p:nvSpPr>
+          <p:cNvPr id="17" name="TextBox 16">
+            <a:extLst>
+              <a:ext uri="{FF2B5EF4-FFF2-40B4-BE49-F238E27FC236}">
+                <a16:creationId xmlns:a16="http://schemas.microsoft.com/office/drawing/2014/main" id="{B8B69A1C-8362-997E-5D84-F912D7C40B86}"/>
+              </a:ext>
+            </a:extLst>
+          </p:cNvPr>
+          <p:cNvSpPr txBox="1"/>
+          <p:nvPr/>
+        </p:nvSpPr>
+        <p:spPr>
+          <a:xfrm>
+            <a:off x="40509872" y="18952621"/>
+            <a:ext cx="17749006" cy="1754326"/>
+          </a:xfrm>
+          <a:prstGeom prst="rect">
+            <a:avLst/>
+          </a:prstGeom>
+          <a:noFill/>
+        </p:spPr>
+        <p:txBody>
+          <a:bodyPr wrap="square">
+            <a:spAutoFit/>
+          </a:bodyPr>
+          <a:lstStyle/>
+          <a:p>
+            <a:r>
+              <a:rPr lang="en-US" sz="1800" dirty="0">
+                <a:solidFill>
+                  <a:srgbClr val="0F1012"/>
+                </a:solidFill>
+                <a:latin typeface="Open Sans" panose="020B0606030504020204" pitchFamily="34" charset="0"/>
+                <a:ea typeface="Open Sans" panose="020B0606030504020204" pitchFamily="34" charset="0"/>
+                <a:cs typeface="Open Sans" panose="020B0606030504020204" pitchFamily="34" charset="0"/>
+              </a:rPr>
+              <a:t>The principles underlying a CODECHECK:</a:t>
+            </a:r>
+          </a:p>
+          <a:p>
+            <a:pPr marL="342900" indent="-342900">
+              <a:buFontTx/>
+              <a:buChar char="-"/>
+            </a:pPr>
+            <a:r>
+              <a:rPr lang="en-US" sz="1800" dirty="0" err="1">
+                <a:solidFill>
+                  <a:srgbClr val="0F1012"/>
+                </a:solidFill>
+                <a:latin typeface="Open Sans" panose="020B0606030504020204" pitchFamily="34" charset="0"/>
+                <a:ea typeface="Open Sans" panose="020B0606030504020204" pitchFamily="34" charset="0"/>
+                <a:cs typeface="Open Sans" panose="020B0606030504020204" pitchFamily="34" charset="0"/>
+              </a:rPr>
+              <a:t>Codecheckers</a:t>
+            </a:r>
+            <a:r>
+              <a:rPr lang="en-US" sz="1800" dirty="0">
+                <a:solidFill>
+                  <a:srgbClr val="0F1012"/>
+                </a:solidFill>
+                <a:latin typeface="Open Sans" panose="020B0606030504020204" pitchFamily="34" charset="0"/>
+                <a:ea typeface="Open Sans" panose="020B0606030504020204" pitchFamily="34" charset="0"/>
+                <a:cs typeface="Open Sans" panose="020B0606030504020204" pitchFamily="34" charset="0"/>
+              </a:rPr>
+              <a:t> record but don’t investigate or fix.</a:t>
+            </a:r>
+          </a:p>
+          <a:p>
+            <a:pPr marL="342900" indent="-342900">
+              <a:buFontTx/>
+              <a:buChar char="-"/>
+            </a:pPr>
+            <a:r>
+              <a:rPr lang="en-US" sz="1800" dirty="0">
+                <a:solidFill>
+                  <a:srgbClr val="0F1012"/>
+                </a:solidFill>
+                <a:latin typeface="Open Sans" panose="020B0606030504020204" pitchFamily="34" charset="0"/>
+                <a:ea typeface="Open Sans" panose="020B0606030504020204" pitchFamily="34" charset="0"/>
+                <a:cs typeface="Open Sans" panose="020B0606030504020204" pitchFamily="34" charset="0"/>
+              </a:rPr>
+              <a:t>Communication between humans is key.</a:t>
+            </a:r>
+          </a:p>
+          <a:p>
+            <a:pPr marL="342900" indent="-342900">
+              <a:buFontTx/>
+              <a:buChar char="-"/>
+            </a:pPr>
+            <a:r>
+              <a:rPr lang="en-US" sz="1800" dirty="0">
+                <a:solidFill>
+                  <a:srgbClr val="0F1012"/>
+                </a:solidFill>
+                <a:latin typeface="Open Sans" panose="020B0606030504020204" pitchFamily="34" charset="0"/>
+                <a:ea typeface="Open Sans" panose="020B0606030504020204" pitchFamily="34" charset="0"/>
+                <a:cs typeface="Open Sans" panose="020B0606030504020204" pitchFamily="34" charset="0"/>
+              </a:rPr>
+              <a:t>Credit is given to </a:t>
+            </a:r>
+            <a:r>
+              <a:rPr lang="en-US" sz="1800" dirty="0" err="1">
+                <a:solidFill>
+                  <a:srgbClr val="0F1012"/>
+                </a:solidFill>
+                <a:latin typeface="Open Sans" panose="020B0606030504020204" pitchFamily="34" charset="0"/>
+                <a:ea typeface="Open Sans" panose="020B0606030504020204" pitchFamily="34" charset="0"/>
+                <a:cs typeface="Open Sans" panose="020B0606030504020204" pitchFamily="34" charset="0"/>
+              </a:rPr>
+              <a:t>codecheckers</a:t>
+            </a:r>
+            <a:r>
+              <a:rPr lang="en-US" sz="1800" dirty="0">
+                <a:solidFill>
+                  <a:srgbClr val="0F1012"/>
+                </a:solidFill>
+                <a:latin typeface="Open Sans" panose="020B0606030504020204" pitchFamily="34" charset="0"/>
+                <a:ea typeface="Open Sans" panose="020B0606030504020204" pitchFamily="34" charset="0"/>
+                <a:cs typeface="Open Sans" panose="020B0606030504020204" pitchFamily="34" charset="0"/>
+              </a:rPr>
+              <a:t>.</a:t>
+            </a:r>
+          </a:p>
+          <a:p>
+            <a:pPr marL="342900" indent="-342900">
+              <a:buFontTx/>
+              <a:buChar char="-"/>
+            </a:pPr>
+            <a:r>
+              <a:rPr lang="en-US" sz="1800" dirty="0">
+                <a:solidFill>
+                  <a:srgbClr val="0F1012"/>
+                </a:solidFill>
+                <a:latin typeface="Open Sans" panose="020B0606030504020204" pitchFamily="34" charset="0"/>
+                <a:ea typeface="Open Sans" panose="020B0606030504020204" pitchFamily="34" charset="0"/>
+                <a:cs typeface="Open Sans" panose="020B0606030504020204" pitchFamily="34" charset="0"/>
+              </a:rPr>
+              <a:t>Workflows must be auditable.</a:t>
+            </a:r>
+          </a:p>
+          <a:p>
+            <a:pPr marL="342900" indent="-342900">
+              <a:buFontTx/>
+              <a:buChar char="-"/>
+            </a:pPr>
+            <a:r>
+              <a:rPr lang="en-US" sz="1800" dirty="0">
+                <a:solidFill>
+                  <a:srgbClr val="0F1012"/>
+                </a:solidFill>
+                <a:latin typeface="Open Sans" panose="020B0606030504020204" pitchFamily="34" charset="0"/>
+                <a:ea typeface="Open Sans" panose="020B0606030504020204" pitchFamily="34" charset="0"/>
+                <a:cs typeface="Open Sans" panose="020B0606030504020204" pitchFamily="34" charset="0"/>
+              </a:rPr>
+              <a:t>Open by default and transitional by disposition.</a:t>
+            </a:r>
+          </a:p>
+        </p:txBody>
+      </p:sp>
+      <p:pic>
+        <p:nvPicPr>
+          <p:cNvPr id="20" name="Picture 19">
+            <a:extLst>
+              <a:ext uri="{FF2B5EF4-FFF2-40B4-BE49-F238E27FC236}">
+                <a16:creationId xmlns:a16="http://schemas.microsoft.com/office/drawing/2014/main" id="{77A79C69-8A52-8ED2-74B0-CF32F67D1173}"/>
+              </a:ext>
+            </a:extLst>
+          </p:cNvPr>
+          <p:cNvPicPr>
+            <a:picLocks noChangeAspect="1"/>
+          </p:cNvPicPr>
+          <p:nvPr/>
+        </p:nvPicPr>
+        <p:blipFill>
+          <a:blip r:embed="rId20"/>
+          <a:stretch>
+            <a:fillRect/>
+          </a:stretch>
+        </p:blipFill>
+        <p:spPr>
+          <a:xfrm>
+            <a:off x="22914412" y="16616180"/>
+            <a:ext cx="6215177" cy="2356000"/>
+          </a:xfrm>
+          <a:prstGeom prst="rect">
+            <a:avLst/>
+          </a:prstGeom>
+        </p:spPr>
+      </p:pic>
+      <p:sp>
+        <p:nvSpPr>
+          <p:cNvPr id="29" name="Subtitel 2">
+            <a:extLst>
+              <a:ext uri="{FF2B5EF4-FFF2-40B4-BE49-F238E27FC236}">
+                <a16:creationId xmlns:a16="http://schemas.microsoft.com/office/drawing/2014/main" id="{A4C4D9E1-015F-558D-8E96-E6C94F50155A}"/>
+              </a:ext>
+            </a:extLst>
+          </p:cNvPr>
+          <p:cNvSpPr txBox="1">
+            <a:spLocks/>
+          </p:cNvSpPr>
+          <p:nvPr/>
+        </p:nvSpPr>
+        <p:spPr>
+          <a:xfrm>
+            <a:off x="8930861" y="18365122"/>
+            <a:ext cx="3404703" cy="411075"/>
+          </a:xfrm>
+          <a:prstGeom prst="rect">
+            <a:avLst/>
+          </a:prstGeom>
+          <a:noFill/>
+        </p:spPr>
+        <p:txBody>
+          <a:bodyPr vert="horz" wrap="square" lIns="0" tIns="0" rIns="0" bIns="0" rtlCol="0">
+            <a:spAutoFit/>
+          </a:bodyPr>
+          <a:lstStyle>
+            <a:lvl1pPr marL="0" indent="0" algn="ctr" defTabSz="457200" rtl="0" eaLnBrk="1" latinLnBrk="0" hangingPunct="1">
+              <a:spcBef>
+                <a:spcPct val="20000"/>
+              </a:spcBef>
+              <a:buFont typeface="Arial"/>
+              <a:buNone/>
+              <a:defRPr sz="3200" kern="1200">
+                <a:solidFill>
+                  <a:schemeClr val="tx1">
+                    <a:tint val="75000"/>
+                  </a:schemeClr>
+                </a:solidFill>
+                <a:latin typeface="+mn-lt"/>
+                <a:ea typeface="+mn-ea"/>
+                <a:cs typeface="+mn-cs"/>
+              </a:defRPr>
+            </a:lvl1pPr>
+            <a:lvl2pPr marL="457200" indent="0" algn="ctr" defTabSz="457200" rtl="0" eaLnBrk="1" latinLnBrk="0" hangingPunct="1">
+              <a:spcBef>
+                <a:spcPct val="20000"/>
+              </a:spcBef>
+              <a:buFont typeface="Arial"/>
+              <a:buNone/>
+              <a:defRPr sz="2800" kern="1200">
+                <a:solidFill>
+                  <a:schemeClr val="tx1">
+                    <a:tint val="75000"/>
+                  </a:schemeClr>
+                </a:solidFill>
+                <a:latin typeface="+mn-lt"/>
+                <a:ea typeface="+mn-ea"/>
+                <a:cs typeface="+mn-cs"/>
+              </a:defRPr>
+            </a:lvl2pPr>
+            <a:lvl3pPr marL="914400" indent="0" algn="ctr" defTabSz="457200" rtl="0" eaLnBrk="1" latinLnBrk="0" hangingPunct="1">
+              <a:spcBef>
+                <a:spcPct val="20000"/>
+              </a:spcBef>
+              <a:buFont typeface="Arial"/>
+              <a:buNone/>
+              <a:defRPr sz="2400" kern="1200">
+                <a:solidFill>
+                  <a:schemeClr val="tx1">
+                    <a:tint val="75000"/>
+                  </a:schemeClr>
+                </a:solidFill>
+                <a:latin typeface="+mn-lt"/>
+                <a:ea typeface="+mn-ea"/>
+                <a:cs typeface="+mn-cs"/>
+              </a:defRPr>
+            </a:lvl3pPr>
+            <a:lvl4pPr marL="1371600" indent="0" algn="ctr" defTabSz="457200" rtl="0" eaLnBrk="1" latinLnBrk="0" hangingPunct="1">
+              <a:spcBef>
+                <a:spcPct val="20000"/>
+              </a:spcBef>
+              <a:buFont typeface="Arial"/>
+              <a:buNone/>
+              <a:defRPr sz="2000" kern="1200">
+                <a:solidFill>
+                  <a:schemeClr val="tx1">
+                    <a:tint val="75000"/>
+                  </a:schemeClr>
+                </a:solidFill>
+                <a:latin typeface="+mn-lt"/>
+                <a:ea typeface="+mn-ea"/>
+                <a:cs typeface="+mn-cs"/>
+              </a:defRPr>
+            </a:lvl4pPr>
+            <a:lvl5pPr marL="1828800" indent="0" algn="ctr" defTabSz="457200" rtl="0" eaLnBrk="1" latinLnBrk="0" hangingPunct="1">
+              <a:spcBef>
+                <a:spcPct val="20000"/>
+              </a:spcBef>
+              <a:buFont typeface="Arial"/>
+              <a:buNone/>
+              <a:defRPr sz="2000" kern="1200">
+                <a:solidFill>
+                  <a:schemeClr val="tx1">
+                    <a:tint val="75000"/>
+                  </a:schemeClr>
+                </a:solidFill>
+                <a:latin typeface="+mn-lt"/>
+                <a:ea typeface="+mn-ea"/>
+                <a:cs typeface="+mn-cs"/>
+              </a:defRPr>
+            </a:lvl5pPr>
+            <a:lvl6pPr marL="2286000" indent="0" algn="ctr" defTabSz="457200" rtl="0" eaLnBrk="1" latinLnBrk="0" hangingPunct="1">
+              <a:spcBef>
+                <a:spcPct val="20000"/>
+              </a:spcBef>
+              <a:buFont typeface="Arial"/>
+              <a:buNone/>
+              <a:defRPr sz="2000" kern="1200">
+                <a:solidFill>
+                  <a:schemeClr val="tx1">
+                    <a:tint val="75000"/>
+                  </a:schemeClr>
+                </a:solidFill>
+                <a:latin typeface="+mn-lt"/>
+                <a:ea typeface="+mn-ea"/>
+                <a:cs typeface="+mn-cs"/>
+              </a:defRPr>
+            </a:lvl6pPr>
+            <a:lvl7pPr marL="2743200" indent="0" algn="ctr" defTabSz="457200" rtl="0" eaLnBrk="1" latinLnBrk="0" hangingPunct="1">
+              <a:spcBef>
+                <a:spcPct val="20000"/>
+              </a:spcBef>
+              <a:buFont typeface="Arial"/>
+              <a:buNone/>
+              <a:defRPr sz="2000" kern="1200">
+                <a:solidFill>
+                  <a:schemeClr val="tx1">
+                    <a:tint val="75000"/>
+                  </a:schemeClr>
+                </a:solidFill>
+                <a:latin typeface="+mn-lt"/>
+                <a:ea typeface="+mn-ea"/>
+                <a:cs typeface="+mn-cs"/>
+              </a:defRPr>
+            </a:lvl7pPr>
+            <a:lvl8pPr marL="3200400" indent="0" algn="ctr" defTabSz="457200" rtl="0" eaLnBrk="1" latinLnBrk="0" hangingPunct="1">
+              <a:spcBef>
+                <a:spcPct val="20000"/>
+              </a:spcBef>
+              <a:buFont typeface="Arial"/>
+              <a:buNone/>
+              <a:defRPr sz="2000" kern="1200">
+                <a:solidFill>
+                  <a:schemeClr val="tx1">
+                    <a:tint val="75000"/>
+                  </a:schemeClr>
+                </a:solidFill>
+                <a:latin typeface="+mn-lt"/>
+                <a:ea typeface="+mn-ea"/>
+                <a:cs typeface="+mn-cs"/>
+              </a:defRPr>
+            </a:lvl8pPr>
+            <a:lvl9pPr marL="3657600" indent="0" algn="ctr" defTabSz="457200" rtl="0" eaLnBrk="1" latinLnBrk="0" hangingPunct="1">
+              <a:spcBef>
+                <a:spcPct val="20000"/>
+              </a:spcBef>
+              <a:buFont typeface="Arial"/>
+              <a:buNone/>
+              <a:defRPr sz="2000" kern="1200">
+                <a:solidFill>
+                  <a:schemeClr val="tx1">
+                    <a:tint val="75000"/>
+                  </a:schemeClr>
+                </a:solidFill>
+                <a:latin typeface="+mn-lt"/>
+                <a:ea typeface="+mn-ea"/>
+                <a:cs typeface="+mn-cs"/>
+              </a:defRPr>
+            </a:lvl9pPr>
+          </a:lstStyle>
+          <a:p>
+            <a:pPr algn="l">
+              <a:lnSpc>
+                <a:spcPts val="3588"/>
+              </a:lnSpc>
+              <a:spcBef>
+                <a:spcPts val="0"/>
+              </a:spcBef>
+            </a:pPr>
+            <a:r>
+              <a:rPr lang="en-GB" sz="1957" b="1" dirty="0">
+                <a:solidFill>
+                  <a:srgbClr val="0F1012"/>
+                </a:solidFill>
+                <a:latin typeface="Open Sans SemiBold" panose="020B0606030504020204" pitchFamily="34" charset="0"/>
+                <a:ea typeface="Open Sans SemiBold" panose="020B0606030504020204" pitchFamily="34" charset="0"/>
+                <a:cs typeface="Open Sans SemiBold" panose="020B0606030504020204" pitchFamily="34" charset="0"/>
+              </a:rPr>
+              <a:t>Licensing</a:t>
+            </a:r>
+          </a:p>
+        </p:txBody>
+      </p:sp>
+      <p:pic>
+        <p:nvPicPr>
+          <p:cNvPr id="9" name="Picture 8">
+            <a:extLst>
+              <a:ext uri="{FF2B5EF4-FFF2-40B4-BE49-F238E27FC236}">
+                <a16:creationId xmlns:a16="http://schemas.microsoft.com/office/drawing/2014/main" id="{E95A5017-F355-46F1-CCA9-C5215577640B}"/>
+              </a:ext>
+            </a:extLst>
+          </p:cNvPr>
+          <p:cNvPicPr>
+            <a:picLocks noChangeAspect="1"/>
+          </p:cNvPicPr>
+          <p:nvPr/>
+        </p:nvPicPr>
+        <p:blipFill>
+          <a:blip r:embed="rId21"/>
+          <a:stretch>
+            <a:fillRect/>
+          </a:stretch>
+        </p:blipFill>
+        <p:spPr>
+          <a:xfrm>
+            <a:off x="30987363" y="20483503"/>
+            <a:ext cx="1106814" cy="1196743"/>
+          </a:xfrm>
+          <a:prstGeom prst="rect">
+            <a:avLst/>
+          </a:prstGeom>
+        </p:spPr>
+      </p:pic>
     </p:spTree>
     <p:extLst>
       <p:ext uri="{BB962C8B-B14F-4D97-AF65-F5344CB8AC3E}">

--- a/2024/NLRN/poster.pptx
+++ b/2024/NLRN/poster.pptx
@@ -126,6 +126,98 @@
 </p:presentation>
 </file>
 
+<file path=ppt/revisionInfo.xml><?xml version="1.0" encoding="utf-8"?>
+<p1510:revInfo xmlns:a="http://schemas.openxmlformats.org/drawingml/2006/main" xmlns:r="http://schemas.openxmlformats.org/officeDocument/2006/relationships" xmlns:p1510="http://schemas.microsoft.com/office/powerpoint/2015/10/main">
+  <p1510:revLst>
+    <p1510:client id="{C930FB71-4C98-3D43-AF34-BDAA20CE95DD}" v="1" dt="2025-07-17T12:25:48.214"/>
+  </p1510:revLst>
+</p1510:revInfo>
+</file>
+
+<file path=ppt/changesInfos/changesInfo1.xml><?xml version="1.0" encoding="utf-8"?>
+<pc:chgInfo xmlns:a="http://schemas.openxmlformats.org/drawingml/2006/main" xmlns:r="http://schemas.openxmlformats.org/officeDocument/2006/relationships" xmlns:ac="http://schemas.microsoft.com/office/drawing/2013/main/command" xmlns:pc="http://schemas.microsoft.com/office/powerpoint/2013/main/command">
+  <pc:docChgLst>
+    <pc:chgData name="Oberman, H.I. (Hanne)" userId="e27d1978-6ace-4e0e-9109-4f58c8b6a455" providerId="ADAL" clId="{C930FB71-4C98-3D43-AF34-BDAA20CE95DD}"/>
+    <pc:docChg chg="custSel addSld delSld modSld">
+      <pc:chgData name="Oberman, H.I. (Hanne)" userId="e27d1978-6ace-4e0e-9109-4f58c8b6a455" providerId="ADAL" clId="{C930FB71-4C98-3D43-AF34-BDAA20CE95DD}" dt="2025-07-17T12:26:45.765" v="11" actId="2696"/>
+      <pc:docMkLst>
+        <pc:docMk/>
+      </pc:docMkLst>
+      <pc:sldChg chg="delSp modSp mod">
+        <pc:chgData name="Oberman, H.I. (Hanne)" userId="e27d1978-6ace-4e0e-9109-4f58c8b6a455" providerId="ADAL" clId="{C930FB71-4C98-3D43-AF34-BDAA20CE95DD}" dt="2025-07-17T12:09:28.201" v="7" actId="478"/>
+        <pc:sldMkLst>
+          <pc:docMk/>
+          <pc:sldMk cId="1435791218" sldId="256"/>
+        </pc:sldMkLst>
+        <pc:spChg chg="del mod">
+          <ac:chgData name="Oberman, H.I. (Hanne)" userId="e27d1978-6ace-4e0e-9109-4f58c8b6a455" providerId="ADAL" clId="{C930FB71-4C98-3D43-AF34-BDAA20CE95DD}" dt="2025-07-17T12:09:28.201" v="7" actId="478"/>
+          <ac:spMkLst>
+            <pc:docMk/>
+            <pc:sldMk cId="1435791218" sldId="256"/>
+            <ac:spMk id="2" creationId="{73BBCC02-B3E2-2EFA-28FC-2A8B923CE08D}"/>
+          </ac:spMkLst>
+        </pc:spChg>
+        <pc:picChg chg="mod modCrop">
+          <ac:chgData name="Oberman, H.I. (Hanne)" userId="e27d1978-6ace-4e0e-9109-4f58c8b6a455" providerId="ADAL" clId="{C930FB71-4C98-3D43-AF34-BDAA20CE95DD}" dt="2025-07-17T12:08:09.024" v="5" actId="732"/>
+          <ac:picMkLst>
+            <pc:docMk/>
+            <pc:sldMk cId="1435791218" sldId="256"/>
+            <ac:picMk id="30" creationId="{68D73627-779A-FB31-08F5-8CB2D76D09ED}"/>
+          </ac:picMkLst>
+        </pc:picChg>
+      </pc:sldChg>
+      <pc:sldChg chg="addSp modSp new del mod">
+        <pc:chgData name="Oberman, H.I. (Hanne)" userId="e27d1978-6ace-4e0e-9109-4f58c8b6a455" providerId="ADAL" clId="{C930FB71-4C98-3D43-AF34-BDAA20CE95DD}" dt="2025-07-17T12:26:45.765" v="11" actId="2696"/>
+        <pc:sldMkLst>
+          <pc:docMk/>
+          <pc:sldMk cId="2479449240" sldId="257"/>
+        </pc:sldMkLst>
+        <pc:picChg chg="add mod">
+          <ac:chgData name="Oberman, H.I. (Hanne)" userId="e27d1978-6ace-4e0e-9109-4f58c8b6a455" providerId="ADAL" clId="{C930FB71-4C98-3D43-AF34-BDAA20CE95DD}" dt="2025-07-17T12:25:51.762" v="10" actId="1076"/>
+          <ac:picMkLst>
+            <pc:docMk/>
+            <pc:sldMk cId="2479449240" sldId="257"/>
+            <ac:picMk id="2" creationId="{A8BAE1C4-F3EE-0D82-AE84-ABF566356D9C}"/>
+          </ac:picMkLst>
+        </pc:picChg>
+        <pc:picChg chg="add mod">
+          <ac:chgData name="Oberman, H.I. (Hanne)" userId="e27d1978-6ace-4e0e-9109-4f58c8b6a455" providerId="ADAL" clId="{C930FB71-4C98-3D43-AF34-BDAA20CE95DD}" dt="2025-07-17T12:25:51.762" v="10" actId="1076"/>
+          <ac:picMkLst>
+            <pc:docMk/>
+            <pc:sldMk cId="2479449240" sldId="257"/>
+            <ac:picMk id="3" creationId="{AA8F5A4F-DB2D-160B-1934-C398929FD144}"/>
+          </ac:picMkLst>
+        </pc:picChg>
+        <pc:picChg chg="add mod">
+          <ac:chgData name="Oberman, H.I. (Hanne)" userId="e27d1978-6ace-4e0e-9109-4f58c8b6a455" providerId="ADAL" clId="{C930FB71-4C98-3D43-AF34-BDAA20CE95DD}" dt="2025-07-17T12:25:51.762" v="10" actId="1076"/>
+          <ac:picMkLst>
+            <pc:docMk/>
+            <pc:sldMk cId="2479449240" sldId="257"/>
+            <ac:picMk id="4" creationId="{F03D5B98-4DF7-59A3-40C0-5AB92C27A5DC}"/>
+          </ac:picMkLst>
+        </pc:picChg>
+        <pc:picChg chg="add mod">
+          <ac:chgData name="Oberman, H.I. (Hanne)" userId="e27d1978-6ace-4e0e-9109-4f58c8b6a455" providerId="ADAL" clId="{C930FB71-4C98-3D43-AF34-BDAA20CE95DD}" dt="2025-07-17T12:25:51.762" v="10" actId="1076"/>
+          <ac:picMkLst>
+            <pc:docMk/>
+            <pc:sldMk cId="2479449240" sldId="257"/>
+            <ac:picMk id="5" creationId="{354F337C-37FC-7A38-373D-19C0AB299359}"/>
+          </ac:picMkLst>
+        </pc:picChg>
+        <pc:picChg chg="add mod">
+          <ac:chgData name="Oberman, H.I. (Hanne)" userId="e27d1978-6ace-4e0e-9109-4f58c8b6a455" providerId="ADAL" clId="{C930FB71-4C98-3D43-AF34-BDAA20CE95DD}" dt="2025-07-17T12:25:51.762" v="10" actId="1076"/>
+          <ac:picMkLst>
+            <pc:docMk/>
+            <pc:sldMk cId="2479449240" sldId="257"/>
+            <ac:picMk id="6" creationId="{617CFA17-F6DB-83E1-2FE6-69BC5406FF11}"/>
+          </ac:picMkLst>
+        </pc:picChg>
+      </pc:sldChg>
+    </pc:docChg>
+  </pc:docChgLst>
+</pc:chgInfo>
+</file>
+
 <file path=ppt/notesMasters/notesMaster1.xml><?xml version="1.0" encoding="utf-8"?>
 <p:notesMaster xmlns:a="http://schemas.openxmlformats.org/drawingml/2006/main" xmlns:r="http://schemas.openxmlformats.org/officeDocument/2006/relationships" xmlns:p="http://schemas.openxmlformats.org/presentationml/2006/main">
   <p:cSld>
@@ -208,7 +300,7 @@
           <a:p>
             <a:fld id="{ADC829B4-9606-2A42-8BE7-C95716C4B49D}" type="datetimeFigureOut">
               <a:rPr lang="nl-NL" smtClean="0"/>
-              <a:t>5-12-2024</a:t>
+              <a:t>16-07-2025</a:t>
             </a:fld>
             <a:endParaRPr lang="nl-NL"/>
           </a:p>
@@ -614,7 +706,7 @@
           <a:p>
             <a:fld id="{C28BEF97-4A46-C940-8C59-2C42CB4C4E51}" type="datetimeFigureOut">
               <a:rPr lang="nl-NL" smtClean="0"/>
-              <a:t>5-12-2024</a:t>
+              <a:t>16-07-2025</a:t>
             </a:fld>
             <a:endParaRPr lang="nl-NL"/>
           </a:p>
@@ -3377,100 +3469,6 @@
           </a:prstGeom>
         </p:spPr>
       </p:pic>
-      <p:sp>
-        <p:nvSpPr>
-          <p:cNvPr id="2" name="Rectangle 1">
-            <a:extLst>
-              <a:ext uri="{FF2B5EF4-FFF2-40B4-BE49-F238E27FC236}">
-                <a16:creationId xmlns:a16="http://schemas.microsoft.com/office/drawing/2014/main" id="{73BBCC02-B3E2-2EFA-28FC-2A8B923CE08D}"/>
-              </a:ext>
-            </a:extLst>
-          </p:cNvPr>
-          <p:cNvSpPr/>
-          <p:nvPr/>
-        </p:nvSpPr>
-        <p:spPr>
-          <a:xfrm rot="1321608">
-            <a:off x="33060642" y="13541229"/>
-            <a:ext cx="33214810" cy="1938992"/>
-          </a:xfrm>
-          <a:prstGeom prst="rect">
-            <a:avLst/>
-          </a:prstGeom>
-          <a:noFill/>
-        </p:spPr>
-        <p:txBody>
-          <a:bodyPr wrap="square" lIns="91440" tIns="45720" rIns="91440" bIns="45720">
-            <a:spAutoFit/>
-          </a:bodyPr>
-          <a:lstStyle/>
-          <a:p>
-            <a:pPr algn="ctr"/>
-            <a:r>
-              <a:rPr lang="en-US" sz="12000" b="1" dirty="0">
-                <a:ln w="12700">
-                  <a:solidFill>
-                    <a:schemeClr val="tx2">
-                      <a:lumMod val="75000"/>
-                    </a:schemeClr>
-                  </a:solidFill>
-                  <a:prstDash val="solid"/>
-                </a:ln>
-                <a:pattFill prst="dkUpDiag">
-                  <a:fgClr>
-                    <a:schemeClr val="tx2"/>
-                  </a:fgClr>
-                  <a:bgClr>
-                    <a:schemeClr val="tx2">
-                      <a:lumMod val="20000"/>
-                      <a:lumOff val="80000"/>
-                    </a:schemeClr>
-                  </a:bgClr>
-                </a:pattFill>
-                <a:effectLst>
-                  <a:outerShdw dist="38100" dir="2640000" algn="bl" rotWithShape="0">
-                    <a:schemeClr val="tx2">
-                      <a:lumMod val="75000"/>
-                    </a:schemeClr>
-                  </a:outerShdw>
-                </a:effectLst>
-              </a:rPr>
-              <a:t>Concept version/w</a:t>
-            </a:r>
-            <a:r>
-              <a:rPr lang="en-US" sz="12000" b="1" cap="none" spc="0" dirty="0">
-                <a:ln w="12700">
-                  <a:solidFill>
-                    <a:schemeClr val="tx2">
-                      <a:lumMod val="75000"/>
-                    </a:schemeClr>
-                  </a:solidFill>
-                  <a:prstDash val="solid"/>
-                </a:ln>
-                <a:pattFill prst="dkUpDiag">
-                  <a:fgClr>
-                    <a:schemeClr val="tx2"/>
-                  </a:fgClr>
-                  <a:bgClr>
-                    <a:schemeClr val="tx2">
-                      <a:lumMod val="20000"/>
-                      <a:lumOff val="80000"/>
-                    </a:schemeClr>
-                  </a:bgClr>
-                </a:pattFill>
-                <a:effectLst>
-                  <a:outerShdw dist="38100" dir="2640000" algn="bl" rotWithShape="0">
-                    <a:schemeClr val="tx2">
-                      <a:lumMod val="75000"/>
-                    </a:schemeClr>
-                  </a:outerShdw>
-                </a:effectLst>
-              </a:rPr>
-              <a:t>ork in progress</a:t>
-            </a:r>
-          </a:p>
-        </p:txBody>
-      </p:sp>
       <p:pic>
         <p:nvPicPr>
           <p:cNvPr id="4" name="chart">
@@ -4770,16 +4768,17 @@
           </p:cNvPicPr>
           <p:nvPr/>
         </p:nvPicPr>
-        <p:blipFill>
+        <p:blipFill rotWithShape="1">
           <a:blip r:embed="rId17"/>
+          <a:srcRect l="27254" t="-162" r="25722" b="-4151"/>
           <a:stretch>
             <a:fillRect/>
           </a:stretch>
         </p:blipFill>
         <p:spPr>
           <a:xfrm>
-            <a:off x="13591744" y="15581312"/>
-            <a:ext cx="4091592" cy="2045796"/>
+            <a:off x="14706873" y="15578000"/>
+            <a:ext cx="1924015" cy="2134006"/>
           </a:xfrm>
           <a:prstGeom prst="rect">
             <a:avLst/>
